--- a/Documents/Presentation/Presentation.pptx
+++ b/Documents/Presentation/Presentation.pptx
@@ -7,6 +7,17 @@
   <p:sldIdLst>
     <p:sldId id="256" r:id="rId2"/>
     <p:sldId id="257" r:id="rId3"/>
+    <p:sldId id="258" r:id="rId4"/>
+    <p:sldId id="260" r:id="rId5"/>
+    <p:sldId id="261" r:id="rId6"/>
+    <p:sldId id="262" r:id="rId7"/>
+    <p:sldId id="266" r:id="rId8"/>
+    <p:sldId id="264" r:id="rId9"/>
+    <p:sldId id="268" r:id="rId10"/>
+    <p:sldId id="265" r:id="rId11"/>
+    <p:sldId id="269" r:id="rId12"/>
+    <p:sldId id="267" r:id="rId13"/>
+    <p:sldId id="263" r:id="rId14"/>
   </p:sldIdLst>
   <p:sldSz cx="9144000" cy="6858000" type="screen4x3"/>
   <p:notesSz cx="6858000" cy="9144000"/>
@@ -289,7 +300,7 @@
           <a:p>
             <a:fld id="{46C595AF-7463-4ECE-9309-13D03904DEAB}" type="datetimeFigureOut">
               <a:rPr lang="en-GB" smtClean="0"/>
-              <a:t>21/03/2011</a:t>
+              <a:t>23/03/2011</a:t>
             </a:fld>
             <a:endParaRPr lang="en-GB"/>
           </a:p>
@@ -459,7 +470,7 @@
           <a:p>
             <a:fld id="{46C595AF-7463-4ECE-9309-13D03904DEAB}" type="datetimeFigureOut">
               <a:rPr lang="en-GB" smtClean="0"/>
-              <a:t>21/03/2011</a:t>
+              <a:t>23/03/2011</a:t>
             </a:fld>
             <a:endParaRPr lang="en-GB"/>
           </a:p>
@@ -639,7 +650,7 @@
           <a:p>
             <a:fld id="{46C595AF-7463-4ECE-9309-13D03904DEAB}" type="datetimeFigureOut">
               <a:rPr lang="en-GB" smtClean="0"/>
-              <a:t>21/03/2011</a:t>
+              <a:t>23/03/2011</a:t>
             </a:fld>
             <a:endParaRPr lang="en-GB"/>
           </a:p>
@@ -809,7 +820,7 @@
           <a:p>
             <a:fld id="{46C595AF-7463-4ECE-9309-13D03904DEAB}" type="datetimeFigureOut">
               <a:rPr lang="en-GB" smtClean="0"/>
-              <a:t>21/03/2011</a:t>
+              <a:t>23/03/2011</a:t>
             </a:fld>
             <a:endParaRPr lang="en-GB"/>
           </a:p>
@@ -1055,7 +1066,7 @@
           <a:p>
             <a:fld id="{46C595AF-7463-4ECE-9309-13D03904DEAB}" type="datetimeFigureOut">
               <a:rPr lang="en-GB" smtClean="0"/>
-              <a:t>21/03/2011</a:t>
+              <a:t>23/03/2011</a:t>
             </a:fld>
             <a:endParaRPr lang="en-GB"/>
           </a:p>
@@ -1343,7 +1354,7 @@
           <a:p>
             <a:fld id="{46C595AF-7463-4ECE-9309-13D03904DEAB}" type="datetimeFigureOut">
               <a:rPr lang="en-GB" smtClean="0"/>
-              <a:t>21/03/2011</a:t>
+              <a:t>23/03/2011</a:t>
             </a:fld>
             <a:endParaRPr lang="en-GB"/>
           </a:p>
@@ -1765,7 +1776,7 @@
           <a:p>
             <a:fld id="{46C595AF-7463-4ECE-9309-13D03904DEAB}" type="datetimeFigureOut">
               <a:rPr lang="en-GB" smtClean="0"/>
-              <a:t>21/03/2011</a:t>
+              <a:t>23/03/2011</a:t>
             </a:fld>
             <a:endParaRPr lang="en-GB"/>
           </a:p>
@@ -1883,7 +1894,7 @@
           <a:p>
             <a:fld id="{46C595AF-7463-4ECE-9309-13D03904DEAB}" type="datetimeFigureOut">
               <a:rPr lang="en-GB" smtClean="0"/>
-              <a:t>21/03/2011</a:t>
+              <a:t>23/03/2011</a:t>
             </a:fld>
             <a:endParaRPr lang="en-GB"/>
           </a:p>
@@ -1978,7 +1989,7 @@
           <a:p>
             <a:fld id="{46C595AF-7463-4ECE-9309-13D03904DEAB}" type="datetimeFigureOut">
               <a:rPr lang="en-GB" smtClean="0"/>
-              <a:t>21/03/2011</a:t>
+              <a:t>23/03/2011</a:t>
             </a:fld>
             <a:endParaRPr lang="en-GB"/>
           </a:p>
@@ -2255,7 +2266,7 @@
           <a:p>
             <a:fld id="{46C595AF-7463-4ECE-9309-13D03904DEAB}" type="datetimeFigureOut">
               <a:rPr lang="en-GB" smtClean="0"/>
-              <a:t>21/03/2011</a:t>
+              <a:t>23/03/2011</a:t>
             </a:fld>
             <a:endParaRPr lang="en-GB"/>
           </a:p>
@@ -2508,7 +2519,7 @@
           <a:p>
             <a:fld id="{46C595AF-7463-4ECE-9309-13D03904DEAB}" type="datetimeFigureOut">
               <a:rPr lang="en-GB" smtClean="0"/>
-              <a:t>21/03/2011</a:t>
+              <a:t>23/03/2011</a:t>
             </a:fld>
             <a:endParaRPr lang="en-GB"/>
           </a:p>
@@ -2573,9 +2584,18 @@
 <p:sldMaster xmlns:a="http://schemas.openxmlformats.org/drawingml/2006/main" xmlns:r="http://schemas.openxmlformats.org/officeDocument/2006/relationships" xmlns:p="http://schemas.openxmlformats.org/presentationml/2006/main">
   <p:cSld>
     <p:bg>
-      <p:bgRef idx="1001">
-        <a:schemeClr val="bg1"/>
-      </p:bgRef>
+      <p:bgPr>
+        <a:blipFill dpi="0" rotWithShape="1">
+          <a:blip r:embed="rId13">
+            <a:lum/>
+          </a:blip>
+          <a:srcRect/>
+          <a:stretch>
+            <a:fillRect/>
+          </a:stretch>
+        </a:blipFill>
+        <a:effectLst/>
+      </p:bgPr>
     </p:bg>
     <p:spTree>
       <p:nvGrpSpPr>
@@ -2721,7 +2741,7 @@
           <a:p>
             <a:fld id="{46C595AF-7463-4ECE-9309-13D03904DEAB}" type="datetimeFigureOut">
               <a:rPr lang="en-GB" smtClean="0"/>
-              <a:t>21/03/2011</a:t>
+              <a:t>23/03/2011</a:t>
             </a:fld>
             <a:endParaRPr lang="en-GB"/>
           </a:p>
@@ -3141,7 +3161,21 @@
           <a:p>
             <a:r>
               <a:rPr lang="en-GB" dirty="0" smtClean="0"/>
-              <a:t>John L Thow</a:t>
+              <a:t>John L. </a:t>
+            </a:r>
+            <a:r>
+              <a:rPr lang="en-GB" dirty="0" smtClean="0"/>
+              <a:t>Thow</a:t>
+            </a:r>
+          </a:p>
+          <a:p>
+            <a:r>
+              <a:rPr lang="en-GB" dirty="0" smtClean="0"/>
+              <a:t>Supervised by Dr David </a:t>
+            </a:r>
+            <a:r>
+              <a:rPr lang="en-GB" dirty="0" err="1" smtClean="0"/>
+              <a:t>Manlove</a:t>
             </a:r>
             <a:endParaRPr lang="en-GB" dirty="0"/>
           </a:p>
@@ -3198,14 +3232,540 @@
   <p:clrMapOvr>
     <a:masterClrMapping/>
   </p:clrMapOvr>
-  <mc:AlternateContent xmlns:mc="http://schemas.openxmlformats.org/markup-compatibility/2006">
-    <mc:Choice xmlns:p14="http://schemas.microsoft.com/office/powerpoint/2010/main" Requires="p14">
+  <mc:AlternateContent xmlns:mc="http://schemas.openxmlformats.org/markup-compatibility/2006" xmlns:p14="http://schemas.microsoft.com/office/powerpoint/2010/main">
+    <mc:Choice Requires="p14">
       <p:transition spd="slow" p14:dur="2000"/>
     </mc:Choice>
-    <mc:Fallback>
+    <mc:Fallback xmlns="">
       <p:transition spd="slow"/>
     </mc:Fallback>
   </mc:AlternateContent>
+  <p:timing>
+    <p:tnLst>
+      <p:par>
+        <p:cTn id="1" dur="indefinite" restart="never" nodeType="tmRoot"/>
+      </p:par>
+    </p:tnLst>
+  </p:timing>
+</p:sld>
+</file>
+
+<file path=ppt/slides/slide10.xml><?xml version="1.0" encoding="utf-8"?>
+<p:sld xmlns:a="http://schemas.openxmlformats.org/drawingml/2006/main" xmlns:r="http://schemas.openxmlformats.org/officeDocument/2006/relationships" xmlns:p="http://schemas.openxmlformats.org/presentationml/2006/main">
+  <p:cSld>
+    <p:spTree>
+      <p:nvGrpSpPr>
+        <p:cNvPr id="1" name=""/>
+        <p:cNvGrpSpPr/>
+        <p:nvPr/>
+      </p:nvGrpSpPr>
+      <p:grpSpPr>
+        <a:xfrm>
+          <a:off x="0" y="0"/>
+          <a:ext cx="0" cy="0"/>
+          <a:chOff x="0" y="0"/>
+          <a:chExt cx="0" cy="0"/>
+        </a:xfrm>
+      </p:grpSpPr>
+      <p:sp>
+        <p:nvSpPr>
+          <p:cNvPr id="2" name="Title 1"/>
+          <p:cNvSpPr>
+            <a:spLocks noGrp="1"/>
+          </p:cNvSpPr>
+          <p:nvPr>
+            <p:ph type="title"/>
+          </p:nvPr>
+        </p:nvSpPr>
+        <p:spPr/>
+        <p:txBody>
+          <a:bodyPr/>
+          <a:lstStyle/>
+          <a:p>
+            <a:r>
+              <a:rPr lang="en-GB" dirty="0" smtClean="0"/>
+              <a:t>Future </a:t>
+            </a:r>
+            <a:r>
+              <a:rPr lang="en-GB" dirty="0" smtClean="0"/>
+              <a:t>Work</a:t>
+            </a:r>
+            <a:endParaRPr lang="en-GB" dirty="0"/>
+          </a:p>
+        </p:txBody>
+      </p:sp>
+      <p:sp>
+        <p:nvSpPr>
+          <p:cNvPr id="3" name="Content Placeholder 2"/>
+          <p:cNvSpPr>
+            <a:spLocks noGrp="1"/>
+          </p:cNvSpPr>
+          <p:nvPr>
+            <p:ph idx="1"/>
+          </p:nvPr>
+        </p:nvSpPr>
+        <p:spPr>
+          <a:xfrm>
+            <a:off x="457200" y="1412776"/>
+            <a:ext cx="8229600" cy="4525963"/>
+          </a:xfrm>
+        </p:spPr>
+        <p:txBody>
+          <a:bodyPr/>
+          <a:lstStyle/>
+          <a:p>
+            <a:r>
+              <a:rPr lang="en-GB" dirty="0" smtClean="0"/>
+              <a:t>With further time, the project would have:</a:t>
+            </a:r>
+          </a:p>
+          <a:p>
+            <a:pPr lvl="1"/>
+            <a:r>
+              <a:rPr lang="en-GB" dirty="0" smtClean="0"/>
+              <a:t>Supported more file formats</a:t>
+            </a:r>
+          </a:p>
+          <a:p>
+            <a:pPr lvl="1"/>
+            <a:r>
+              <a:rPr lang="en-GB" dirty="0" smtClean="0"/>
+              <a:t>Supported “tagging” of entries for categorisation</a:t>
+            </a:r>
+          </a:p>
+          <a:p>
+            <a:pPr lvl="1"/>
+            <a:r>
+              <a:rPr lang="en-GB" dirty="0" smtClean="0"/>
+              <a:t>Taken a more rigorous approach to user authentication</a:t>
+            </a:r>
+          </a:p>
+          <a:p>
+            <a:pPr lvl="1"/>
+            <a:r>
+              <a:rPr lang="en-GB" dirty="0" smtClean="0"/>
+              <a:t>Covered more of the code with unit tests</a:t>
+            </a:r>
+          </a:p>
+        </p:txBody>
+      </p:sp>
+    </p:spTree>
+    <p:extLst>
+      <p:ext uri="{BB962C8B-B14F-4D97-AF65-F5344CB8AC3E}">
+        <p14:creationId xmlns:p14="http://schemas.microsoft.com/office/powerpoint/2010/main" val="921294301"/>
+      </p:ext>
+    </p:extLst>
+  </p:cSld>
+  <p:clrMapOvr>
+    <a:masterClrMapping/>
+  </p:clrMapOvr>
+  <p:timing>
+    <p:tnLst>
+      <p:par>
+        <p:cTn id="1" dur="indefinite" restart="never" nodeType="tmRoot"/>
+      </p:par>
+    </p:tnLst>
+  </p:timing>
+</p:sld>
+</file>
+
+<file path=ppt/slides/slide11.xml><?xml version="1.0" encoding="utf-8"?>
+<p:sld xmlns:a="http://schemas.openxmlformats.org/drawingml/2006/main" xmlns:r="http://schemas.openxmlformats.org/officeDocument/2006/relationships" xmlns:p="http://schemas.openxmlformats.org/presentationml/2006/main">
+  <p:cSld>
+    <p:spTree>
+      <p:nvGrpSpPr>
+        <p:cNvPr id="1" name=""/>
+        <p:cNvGrpSpPr/>
+        <p:nvPr/>
+      </p:nvGrpSpPr>
+      <p:grpSpPr>
+        <a:xfrm>
+          <a:off x="0" y="0"/>
+          <a:ext cx="0" cy="0"/>
+          <a:chOff x="0" y="0"/>
+          <a:chExt cx="0" cy="0"/>
+        </a:xfrm>
+      </p:grpSpPr>
+      <p:sp>
+        <p:nvSpPr>
+          <p:cNvPr id="2" name="Title 1"/>
+          <p:cNvSpPr>
+            <a:spLocks noGrp="1"/>
+          </p:cNvSpPr>
+          <p:nvPr>
+            <p:ph type="title"/>
+          </p:nvPr>
+        </p:nvSpPr>
+        <p:spPr/>
+        <p:txBody>
+          <a:bodyPr/>
+          <a:lstStyle/>
+          <a:p>
+            <a:r>
+              <a:rPr lang="en-GB" dirty="0" smtClean="0"/>
+              <a:t>Conclusion</a:t>
+            </a:r>
+            <a:endParaRPr lang="en-GB" dirty="0"/>
+          </a:p>
+        </p:txBody>
+      </p:sp>
+      <p:sp>
+        <p:nvSpPr>
+          <p:cNvPr id="3" name="Content Placeholder 2"/>
+          <p:cNvSpPr>
+            <a:spLocks noGrp="1"/>
+          </p:cNvSpPr>
+          <p:nvPr>
+            <p:ph idx="1"/>
+          </p:nvPr>
+        </p:nvSpPr>
+        <p:spPr>
+          <a:xfrm>
+            <a:off x="457200" y="1412776"/>
+            <a:ext cx="8229600" cy="4968552"/>
+          </a:xfrm>
+        </p:spPr>
+        <p:txBody>
+          <a:bodyPr>
+            <a:normAutofit/>
+          </a:bodyPr>
+          <a:lstStyle/>
+          <a:p>
+            <a:r>
+              <a:rPr lang="en-GB" dirty="0" smtClean="0"/>
+              <a:t>Successful in terms of:</a:t>
+            </a:r>
+          </a:p>
+          <a:p>
+            <a:pPr lvl="1"/>
+            <a:r>
+              <a:rPr lang="en-GB" dirty="0" smtClean="0"/>
+              <a:t>Technology knowledge gained</a:t>
+            </a:r>
+          </a:p>
+          <a:p>
+            <a:pPr lvl="1"/>
+            <a:r>
+              <a:rPr lang="en-GB" dirty="0" smtClean="0"/>
+              <a:t>Practice in software engineering</a:t>
+            </a:r>
+          </a:p>
+          <a:p>
+            <a:pPr lvl="1"/>
+            <a:r>
+              <a:rPr lang="en-GB" dirty="0" smtClean="0"/>
+              <a:t>Positive user experience</a:t>
+            </a:r>
+          </a:p>
+          <a:p>
+            <a:pPr lvl="1"/>
+            <a:r>
+              <a:rPr lang="en-GB" dirty="0" smtClean="0"/>
+              <a:t>Personal development</a:t>
+            </a:r>
+            <a:endParaRPr lang="en-GB" dirty="0"/>
+          </a:p>
+          <a:p>
+            <a:r>
+              <a:rPr lang="en-GB" dirty="0" smtClean="0"/>
+              <a:t>Could have been more productive with:</a:t>
+            </a:r>
+          </a:p>
+          <a:p>
+            <a:pPr lvl="1"/>
+            <a:r>
+              <a:rPr lang="en-GB" dirty="0" smtClean="0"/>
+              <a:t>Team work</a:t>
+            </a:r>
+          </a:p>
+          <a:p>
+            <a:pPr lvl="1"/>
+            <a:r>
+              <a:rPr lang="en-GB" dirty="0"/>
+              <a:t>Reduced </a:t>
+            </a:r>
+            <a:r>
+              <a:rPr lang="en-GB" dirty="0" smtClean="0"/>
+              <a:t>bureaucracy</a:t>
+            </a:r>
+          </a:p>
+        </p:txBody>
+      </p:sp>
+    </p:spTree>
+    <p:extLst>
+      <p:ext uri="{BB962C8B-B14F-4D97-AF65-F5344CB8AC3E}">
+        <p14:creationId xmlns:p14="http://schemas.microsoft.com/office/powerpoint/2010/main" val="3343253089"/>
+      </p:ext>
+    </p:extLst>
+  </p:cSld>
+  <p:clrMapOvr>
+    <a:masterClrMapping/>
+  </p:clrMapOvr>
+  <p:timing>
+    <p:tnLst>
+      <p:par>
+        <p:cTn id="1" dur="indefinite" restart="never" nodeType="tmRoot"/>
+      </p:par>
+    </p:tnLst>
+  </p:timing>
+</p:sld>
+</file>
+
+<file path=ppt/slides/slide12.xml><?xml version="1.0" encoding="utf-8"?>
+<p:sld xmlns:a="http://schemas.openxmlformats.org/drawingml/2006/main" xmlns:r="http://schemas.openxmlformats.org/officeDocument/2006/relationships" xmlns:p="http://schemas.openxmlformats.org/presentationml/2006/main">
+  <p:cSld>
+    <p:spTree>
+      <p:nvGrpSpPr>
+        <p:cNvPr id="1" name=""/>
+        <p:cNvGrpSpPr/>
+        <p:nvPr/>
+      </p:nvGrpSpPr>
+      <p:grpSpPr>
+        <a:xfrm>
+          <a:off x="0" y="0"/>
+          <a:ext cx="0" cy="0"/>
+          <a:chOff x="0" y="0"/>
+          <a:chExt cx="0" cy="0"/>
+        </a:xfrm>
+      </p:grpSpPr>
+      <p:sp>
+        <p:nvSpPr>
+          <p:cNvPr id="2" name="Title 1"/>
+          <p:cNvSpPr>
+            <a:spLocks noGrp="1"/>
+          </p:cNvSpPr>
+          <p:nvPr>
+            <p:ph type="title"/>
+          </p:nvPr>
+        </p:nvSpPr>
+        <p:spPr/>
+        <p:txBody>
+          <a:bodyPr/>
+          <a:lstStyle/>
+          <a:p>
+            <a:r>
+              <a:rPr lang="en-GB" dirty="0" smtClean="0"/>
+              <a:t>Acknowledgements</a:t>
+            </a:r>
+            <a:endParaRPr lang="en-GB" dirty="0"/>
+          </a:p>
+        </p:txBody>
+      </p:sp>
+      <p:sp>
+        <p:nvSpPr>
+          <p:cNvPr id="3" name="Content Placeholder 2"/>
+          <p:cNvSpPr>
+            <a:spLocks noGrp="1"/>
+          </p:cNvSpPr>
+          <p:nvPr>
+            <p:ph idx="1"/>
+          </p:nvPr>
+        </p:nvSpPr>
+        <p:spPr>
+          <a:xfrm>
+            <a:off x="457200" y="1412776"/>
+            <a:ext cx="8229600" cy="4525963"/>
+          </a:xfrm>
+        </p:spPr>
+        <p:txBody>
+          <a:bodyPr>
+            <a:normAutofit lnSpcReduction="10000"/>
+          </a:bodyPr>
+          <a:lstStyle/>
+          <a:p>
+            <a:r>
+              <a:rPr lang="en-GB" dirty="0"/>
+              <a:t>Dr David </a:t>
+            </a:r>
+            <a:r>
+              <a:rPr lang="en-GB" dirty="0" err="1" smtClean="0"/>
+              <a:t>Manlove</a:t>
+            </a:r>
+            <a:endParaRPr lang="en-GB" dirty="0" smtClean="0"/>
+          </a:p>
+          <a:p>
+            <a:r>
+              <a:rPr lang="en-GB" dirty="0" smtClean="0"/>
+              <a:t>Mr </a:t>
+            </a:r>
+            <a:r>
+              <a:rPr lang="en-GB" dirty="0"/>
+              <a:t>Gregg </a:t>
+            </a:r>
+            <a:r>
+              <a:rPr lang="en-GB" dirty="0" smtClean="0"/>
+              <a:t>O'Malley</a:t>
+            </a:r>
+            <a:endParaRPr lang="en-GB" dirty="0"/>
+          </a:p>
+          <a:p>
+            <a:r>
+              <a:rPr lang="en-GB" dirty="0"/>
+              <a:t>Dr Colin </a:t>
+            </a:r>
+            <a:r>
+              <a:rPr lang="en-GB" dirty="0" smtClean="0"/>
+              <a:t>Perkins</a:t>
+            </a:r>
+            <a:endParaRPr lang="en-GB" dirty="0"/>
+          </a:p>
+          <a:p>
+            <a:r>
+              <a:rPr lang="en-GB" dirty="0"/>
+              <a:t>Mr Graham </a:t>
+            </a:r>
+            <a:r>
+              <a:rPr lang="en-GB" dirty="0" smtClean="0"/>
+              <a:t>Mooney</a:t>
+            </a:r>
+            <a:endParaRPr lang="en-GB" dirty="0"/>
+          </a:p>
+          <a:p>
+            <a:r>
+              <a:rPr lang="en-GB" dirty="0"/>
+              <a:t>Mr Thomas </a:t>
+            </a:r>
+            <a:r>
+              <a:rPr lang="en-GB" dirty="0" smtClean="0"/>
+              <a:t>Anderson</a:t>
+            </a:r>
+            <a:endParaRPr lang="en-GB" dirty="0"/>
+          </a:p>
+          <a:p>
+            <a:r>
+              <a:rPr lang="en-GB" dirty="0"/>
+              <a:t>My family, friends and classmates</a:t>
+            </a:r>
+          </a:p>
+          <a:p>
+            <a:r>
+              <a:rPr lang="en-GB" dirty="0"/>
+              <a:t>V</a:t>
+            </a:r>
+            <a:r>
+              <a:rPr lang="en-GB" dirty="0" smtClean="0"/>
+              <a:t>olunteers </a:t>
+            </a:r>
+            <a:r>
+              <a:rPr lang="en-GB" dirty="0"/>
+              <a:t>who took part in my evaluation</a:t>
+            </a:r>
+          </a:p>
+          <a:p>
+            <a:r>
+              <a:rPr lang="en-GB" dirty="0" smtClean="0"/>
+              <a:t>Staff </a:t>
+            </a:r>
+            <a:r>
+              <a:rPr lang="en-GB" dirty="0"/>
+              <a:t>in the </a:t>
+            </a:r>
+            <a:r>
+              <a:rPr lang="en-GB" dirty="0" smtClean="0"/>
+              <a:t>School, both </a:t>
+            </a:r>
+            <a:r>
+              <a:rPr lang="en-GB" dirty="0"/>
+              <a:t>retired and </a:t>
+            </a:r>
+            <a:r>
+              <a:rPr lang="en-GB" dirty="0" smtClean="0"/>
+              <a:t>active</a:t>
+            </a:r>
+            <a:endParaRPr lang="en-GB" dirty="0"/>
+          </a:p>
+        </p:txBody>
+      </p:sp>
+    </p:spTree>
+    <p:extLst>
+      <p:ext uri="{BB962C8B-B14F-4D97-AF65-F5344CB8AC3E}">
+        <p14:creationId xmlns:p14="http://schemas.microsoft.com/office/powerpoint/2010/main" val="3032463059"/>
+      </p:ext>
+    </p:extLst>
+  </p:cSld>
+  <p:clrMapOvr>
+    <a:masterClrMapping/>
+  </p:clrMapOvr>
+  <p:timing>
+    <p:tnLst>
+      <p:par>
+        <p:cTn id="1" dur="indefinite" restart="never" nodeType="tmRoot"/>
+      </p:par>
+    </p:tnLst>
+  </p:timing>
+</p:sld>
+</file>
+
+<file path=ppt/slides/slide13.xml><?xml version="1.0" encoding="utf-8"?>
+<p:sld xmlns:a="http://schemas.openxmlformats.org/drawingml/2006/main" xmlns:r="http://schemas.openxmlformats.org/officeDocument/2006/relationships" xmlns:p="http://schemas.openxmlformats.org/presentationml/2006/main">
+  <p:cSld>
+    <p:spTree>
+      <p:nvGrpSpPr>
+        <p:cNvPr id="1" name=""/>
+        <p:cNvGrpSpPr/>
+        <p:nvPr/>
+      </p:nvGrpSpPr>
+      <p:grpSpPr>
+        <a:xfrm>
+          <a:off x="0" y="0"/>
+          <a:ext cx="0" cy="0"/>
+          <a:chOff x="0" y="0"/>
+          <a:chExt cx="0" cy="0"/>
+        </a:xfrm>
+      </p:grpSpPr>
+      <p:sp>
+        <p:nvSpPr>
+          <p:cNvPr id="2" name="Title 1"/>
+          <p:cNvSpPr>
+            <a:spLocks noGrp="1"/>
+          </p:cNvSpPr>
+          <p:nvPr>
+            <p:ph type="title"/>
+          </p:nvPr>
+        </p:nvSpPr>
+        <p:spPr>
+          <a:xfrm>
+            <a:off x="467544" y="2852936"/>
+            <a:ext cx="8229600" cy="1143000"/>
+          </a:xfrm>
+        </p:spPr>
+        <p:txBody>
+          <a:bodyPr/>
+          <a:lstStyle/>
+          <a:p>
+            <a:r>
+              <a:rPr lang="en-GB" dirty="0" smtClean="0"/>
+              <a:t>Questions </a:t>
+            </a:r>
+            <a:r>
+              <a:rPr lang="en-GB" dirty="0" smtClean="0"/>
+              <a:t>and </a:t>
+            </a:r>
+            <a:r>
+              <a:rPr lang="en-GB" dirty="0" smtClean="0"/>
+              <a:t>Answers</a:t>
+            </a:r>
+            <a:endParaRPr lang="en-GB" dirty="0"/>
+          </a:p>
+        </p:txBody>
+      </p:sp>
+    </p:spTree>
+    <p:extLst>
+      <p:ext uri="{BB962C8B-B14F-4D97-AF65-F5344CB8AC3E}">
+        <p14:creationId xmlns:p14="http://schemas.microsoft.com/office/powerpoint/2010/main" val="2219598583"/>
+      </p:ext>
+    </p:extLst>
+  </p:cSld>
+  <p:clrMapOvr>
+    <a:masterClrMapping/>
+  </p:clrMapOvr>
+  <p:timing>
+    <p:tnLst>
+      <p:par>
+        <p:cTn id="1" dur="indefinite" restart="never" nodeType="tmRoot"/>
+      </p:par>
+    </p:tnLst>
+  </p:timing>
 </p:sld>
 </file>
 
@@ -3261,7 +3821,7 @@
         </p:nvSpPr>
         <p:spPr>
           <a:xfrm>
-            <a:off x="457200" y="1600200"/>
+            <a:off x="457200" y="1412776"/>
             <a:ext cx="8229600" cy="4781128"/>
           </a:xfrm>
         </p:spPr>
@@ -3273,14 +3833,9 @@
           <a:p>
             <a:r>
               <a:rPr lang="en-GB" dirty="0" smtClean="0"/>
-              <a:t>Problem</a:t>
-            </a:r>
-          </a:p>
-          <a:p>
-            <a:r>
-              <a:rPr lang="en-GB" dirty="0" smtClean="0"/>
-              <a:t>Approach</a:t>
-            </a:r>
+              <a:t>Motivation and Background</a:t>
+            </a:r>
+            <a:endParaRPr lang="en-GB" dirty="0" smtClean="0"/>
           </a:p>
           <a:p>
             <a:r>
@@ -3291,31 +3846,42 @@
           <a:p>
             <a:r>
               <a:rPr lang="en-GB" dirty="0" smtClean="0"/>
-              <a:t>Implementation</a:t>
-            </a:r>
-          </a:p>
-          <a:p>
-            <a:r>
-              <a:rPr lang="en-GB" dirty="0" smtClean="0"/>
-              <a:t>Testing</a:t>
-            </a:r>
-          </a:p>
-          <a:p>
-            <a:r>
-              <a:rPr lang="en-GB" dirty="0" smtClean="0"/>
-              <a:t>Evaluation</a:t>
-            </a:r>
-          </a:p>
-          <a:p>
-            <a:r>
-              <a:rPr lang="en-GB" dirty="0" smtClean="0"/>
-              <a:t>Conclusion</a:t>
-            </a:r>
-          </a:p>
-          <a:p>
-            <a:r>
-              <a:rPr lang="en-GB" dirty="0" smtClean="0"/>
-              <a:t>Questions &amp; Answers</a:t>
+              <a:t>Design and Implementation</a:t>
+            </a:r>
+            <a:endParaRPr lang="en-GB" dirty="0" smtClean="0"/>
+          </a:p>
+          <a:p>
+            <a:r>
+              <a:rPr lang="en-GB" dirty="0" smtClean="0"/>
+              <a:t>Concurrent Access</a:t>
+            </a:r>
+            <a:endParaRPr lang="en-GB" dirty="0" smtClean="0"/>
+          </a:p>
+          <a:p>
+            <a:r>
+              <a:rPr lang="en-GB" dirty="0" smtClean="0"/>
+              <a:t>Testing and Evaluation</a:t>
+            </a:r>
+          </a:p>
+          <a:p>
+            <a:r>
+              <a:rPr lang="en-GB" dirty="0" smtClean="0"/>
+              <a:t>Future Work and Conclusion</a:t>
+            </a:r>
+            <a:endParaRPr lang="en-GB" dirty="0" smtClean="0"/>
+          </a:p>
+          <a:p>
+            <a:r>
+              <a:rPr lang="en-GB" dirty="0" smtClean="0"/>
+              <a:t>Questions </a:t>
+            </a:r>
+            <a:r>
+              <a:rPr lang="en-GB" dirty="0" smtClean="0"/>
+              <a:t>and </a:t>
+            </a:r>
+            <a:r>
+              <a:rPr lang="en-GB" dirty="0" smtClean="0"/>
+              <a:t>Answers</a:t>
             </a:r>
             <a:endParaRPr lang="en-GB" dirty="0"/>
           </a:p>
@@ -3331,6 +3897,1868 @@
   <p:clrMapOvr>
     <a:masterClrMapping/>
   </p:clrMapOvr>
+  <p:timing>
+    <p:tnLst>
+      <p:par>
+        <p:cTn id="1" dur="indefinite" restart="never" nodeType="tmRoot"/>
+      </p:par>
+    </p:tnLst>
+  </p:timing>
+</p:sld>
+</file>
+
+<file path=ppt/slides/slide3.xml><?xml version="1.0" encoding="utf-8"?>
+<p:sld xmlns:a="http://schemas.openxmlformats.org/drawingml/2006/main" xmlns:r="http://schemas.openxmlformats.org/officeDocument/2006/relationships" xmlns:p="http://schemas.openxmlformats.org/presentationml/2006/main">
+  <p:cSld>
+    <p:spTree>
+      <p:nvGrpSpPr>
+        <p:cNvPr id="1" name=""/>
+        <p:cNvGrpSpPr/>
+        <p:nvPr/>
+      </p:nvGrpSpPr>
+      <p:grpSpPr>
+        <a:xfrm>
+          <a:off x="0" y="0"/>
+          <a:ext cx="0" cy="0"/>
+          <a:chOff x="0" y="0"/>
+          <a:chExt cx="0" cy="0"/>
+        </a:xfrm>
+      </p:grpSpPr>
+      <p:sp>
+        <p:nvSpPr>
+          <p:cNvPr id="2" name="Title 1"/>
+          <p:cNvSpPr>
+            <a:spLocks noGrp="1"/>
+          </p:cNvSpPr>
+          <p:nvPr>
+            <p:ph type="title"/>
+          </p:nvPr>
+        </p:nvSpPr>
+        <p:spPr/>
+        <p:txBody>
+          <a:bodyPr/>
+          <a:lstStyle/>
+          <a:p>
+            <a:r>
+              <a:rPr lang="en-GB" dirty="0" smtClean="0"/>
+              <a:t>Motivation &amp; Background</a:t>
+            </a:r>
+            <a:endParaRPr lang="en-GB" dirty="0"/>
+          </a:p>
+        </p:txBody>
+      </p:sp>
+      <p:sp>
+        <p:nvSpPr>
+          <p:cNvPr id="3" name="Content Placeholder 2"/>
+          <p:cNvSpPr>
+            <a:spLocks noGrp="1"/>
+          </p:cNvSpPr>
+          <p:nvPr>
+            <p:ph idx="1"/>
+          </p:nvPr>
+        </p:nvSpPr>
+        <p:spPr>
+          <a:xfrm>
+            <a:off x="457200" y="1412776"/>
+            <a:ext cx="8229600" cy="4968552"/>
+          </a:xfrm>
+        </p:spPr>
+        <p:txBody>
+          <a:bodyPr>
+            <a:normAutofit/>
+          </a:bodyPr>
+          <a:lstStyle/>
+          <a:p>
+            <a:r>
+              <a:rPr lang="en-GB" dirty="0" smtClean="0"/>
+              <a:t>Overview of </a:t>
+            </a:r>
+            <a:r>
+              <a:rPr lang="en-GB" dirty="0" err="1" smtClean="0"/>
+              <a:t>BibTeX</a:t>
+            </a:r>
+            <a:endParaRPr lang="en-GB" dirty="0" smtClean="0"/>
+          </a:p>
+          <a:p>
+            <a:r>
+              <a:rPr lang="en-GB" dirty="0" smtClean="0"/>
+              <a:t>Potentially vast library of references</a:t>
+            </a:r>
+          </a:p>
+          <a:p>
+            <a:r>
+              <a:rPr lang="en-GB" dirty="0" smtClean="0"/>
+              <a:t>Collaborating </a:t>
+            </a:r>
+            <a:r>
+              <a:rPr lang="en-GB" dirty="0" smtClean="0"/>
+              <a:t>authors &amp; sharing of </a:t>
+            </a:r>
+            <a:r>
+              <a:rPr lang="en-GB" dirty="0" smtClean="0"/>
+              <a:t>libraries</a:t>
+            </a:r>
+          </a:p>
+          <a:p>
+            <a:r>
+              <a:rPr lang="en-GB" dirty="0" smtClean="0"/>
+              <a:t>Builds on previous projects</a:t>
+            </a:r>
+          </a:p>
+          <a:p>
+            <a:r>
+              <a:rPr lang="en-GB" dirty="0" smtClean="0"/>
+              <a:t>Need </a:t>
+            </a:r>
+            <a:r>
+              <a:rPr lang="en-GB" dirty="0"/>
+              <a:t>to avoid:</a:t>
+            </a:r>
+          </a:p>
+          <a:p>
+            <a:pPr lvl="1"/>
+            <a:r>
+              <a:rPr lang="en-GB" sz="2000" dirty="0"/>
+              <a:t>Clashing entries</a:t>
+            </a:r>
+          </a:p>
+          <a:p>
+            <a:pPr lvl="1"/>
+            <a:r>
+              <a:rPr lang="en-GB" sz="2000" dirty="0"/>
+              <a:t>Invalid </a:t>
+            </a:r>
+            <a:r>
+              <a:rPr lang="en-GB" sz="2000" dirty="0" smtClean="0"/>
+              <a:t>entries</a:t>
+            </a:r>
+          </a:p>
+          <a:p>
+            <a:r>
+              <a:rPr lang="en-GB" sz="2400" dirty="0" smtClean="0"/>
+              <a:t>Broad aims:</a:t>
+            </a:r>
+          </a:p>
+          <a:p>
+            <a:pPr lvl="1"/>
+            <a:r>
+              <a:rPr lang="en-GB" sz="2000" dirty="0" smtClean="0"/>
+              <a:t>Provide a usable and useful solution to these problems</a:t>
+            </a:r>
+          </a:p>
+          <a:p>
+            <a:pPr lvl="1"/>
+            <a:r>
+              <a:rPr lang="en-GB" sz="2000" dirty="0" smtClean="0"/>
+              <a:t>Focus on good software engineering practice</a:t>
+            </a:r>
+          </a:p>
+        </p:txBody>
+      </p:sp>
+      <p:pic>
+        <p:nvPicPr>
+          <p:cNvPr id="4098" name="Picture 2" descr="C:\Users\Johnny\Documents\Sample Entry.png"/>
+          <p:cNvPicPr>
+            <a:picLocks noChangeAspect="1" noChangeArrowheads="1"/>
+          </p:cNvPicPr>
+          <p:nvPr/>
+        </p:nvPicPr>
+        <p:blipFill>
+          <a:blip r:embed="rId2">
+            <a:extLst>
+              <a:ext uri="{28A0092B-C50C-407E-A947-70E740481C1C}">
+                <a14:useLocalDpi xmlns:a14="http://schemas.microsoft.com/office/drawing/2010/main" val="0"/>
+              </a:ext>
+            </a:extLst>
+          </a:blip>
+          <a:srcRect/>
+          <a:stretch>
+            <a:fillRect/>
+          </a:stretch>
+        </p:blipFill>
+        <p:spPr bwMode="auto">
+          <a:xfrm>
+            <a:off x="5482318" y="3717032"/>
+            <a:ext cx="3177187" cy="1797943"/>
+          </a:xfrm>
+          <a:prstGeom prst="rect">
+            <a:avLst/>
+          </a:prstGeom>
+          <a:ln w="38100" cap="sq">
+            <a:solidFill>
+              <a:srgbClr val="000000"/>
+            </a:solidFill>
+            <a:prstDash val="solid"/>
+            <a:miter lim="800000"/>
+          </a:ln>
+          <a:effectLst>
+            <a:outerShdw blurRad="50800" dist="38100" dir="2700000" algn="tl" rotWithShape="0">
+              <a:srgbClr val="000000">
+                <a:alpha val="43000"/>
+              </a:srgbClr>
+            </a:outerShdw>
+          </a:effectLst>
+          <a:extLst>
+            <a:ext uri="{909E8E84-426E-40DD-AFC4-6F175D3DCCD1}">
+              <a14:hiddenFill xmlns:a14="http://schemas.microsoft.com/office/drawing/2010/main">
+                <a:solidFill>
+                  <a:srgbClr val="FFFFFF"/>
+                </a:solidFill>
+              </a14:hiddenFill>
+            </a:ext>
+          </a:extLst>
+        </p:spPr>
+      </p:pic>
+    </p:spTree>
+    <p:extLst>
+      <p:ext uri="{BB962C8B-B14F-4D97-AF65-F5344CB8AC3E}">
+        <p14:creationId xmlns:p14="http://schemas.microsoft.com/office/powerpoint/2010/main" val="89749951"/>
+      </p:ext>
+    </p:extLst>
+  </p:cSld>
+  <p:clrMapOvr>
+    <a:masterClrMapping/>
+  </p:clrMapOvr>
+  <p:timing>
+    <p:tnLst>
+      <p:par>
+        <p:cTn id="1" dur="indefinite" restart="never" nodeType="tmRoot">
+          <p:childTnLst>
+            <p:seq concurrent="1" nextAc="seek">
+              <p:cTn id="2" dur="indefinite" nodeType="mainSeq">
+                <p:childTnLst>
+                  <p:par>
+                    <p:cTn id="3" fill="hold">
+                      <p:stCondLst>
+                        <p:cond delay="indefinite"/>
+                      </p:stCondLst>
+                      <p:childTnLst>
+                        <p:par>
+                          <p:cTn id="4" fill="hold">
+                            <p:stCondLst>
+                              <p:cond delay="0"/>
+                            </p:stCondLst>
+                            <p:childTnLst>
+                              <p:par>
+                                <p:cTn id="5" presetID="10" presetClass="entr" presetSubtype="0" fill="hold" nodeType="clickEffect">
+                                  <p:stCondLst>
+                                    <p:cond delay="0"/>
+                                  </p:stCondLst>
+                                  <p:childTnLst>
+                                    <p:set>
+                                      <p:cBhvr>
+                                        <p:cTn id="6" dur="1" fill="hold">
+                                          <p:stCondLst>
+                                            <p:cond delay="0"/>
+                                          </p:stCondLst>
+                                        </p:cTn>
+                                        <p:tgtEl>
+                                          <p:spTgt spid="4098"/>
+                                        </p:tgtEl>
+                                        <p:attrNameLst>
+                                          <p:attrName>style.visibility</p:attrName>
+                                        </p:attrNameLst>
+                                      </p:cBhvr>
+                                      <p:to>
+                                        <p:strVal val="visible"/>
+                                      </p:to>
+                                    </p:set>
+                                    <p:animEffect transition="in" filter="fade">
+                                      <p:cBhvr>
+                                        <p:cTn id="7" dur="500"/>
+                                        <p:tgtEl>
+                                          <p:spTgt spid="4098"/>
+                                        </p:tgtEl>
+                                      </p:cBhvr>
+                                    </p:animEffect>
+                                  </p:childTnLst>
+                                </p:cTn>
+                              </p:par>
+                            </p:childTnLst>
+                          </p:cTn>
+                        </p:par>
+                      </p:childTnLst>
+                    </p:cTn>
+                  </p:par>
+                </p:childTnLst>
+              </p:cTn>
+              <p:prevCondLst>
+                <p:cond evt="onPrev" delay="0">
+                  <p:tgtEl>
+                    <p:sldTgt/>
+                  </p:tgtEl>
+                </p:cond>
+              </p:prevCondLst>
+              <p:nextCondLst>
+                <p:cond evt="onNext" delay="0">
+                  <p:tgtEl>
+                    <p:sldTgt/>
+                  </p:tgtEl>
+                </p:cond>
+              </p:nextCondLst>
+            </p:seq>
+          </p:childTnLst>
+        </p:cTn>
+      </p:par>
+    </p:tnLst>
+  </p:timing>
+</p:sld>
+</file>
+
+<file path=ppt/slides/slide4.xml><?xml version="1.0" encoding="utf-8"?>
+<p:sld xmlns:a="http://schemas.openxmlformats.org/drawingml/2006/main" xmlns:r="http://schemas.openxmlformats.org/officeDocument/2006/relationships" xmlns:p="http://schemas.openxmlformats.org/presentationml/2006/main">
+  <p:cSld>
+    <p:spTree>
+      <p:nvGrpSpPr>
+        <p:cNvPr id="1" name=""/>
+        <p:cNvGrpSpPr/>
+        <p:nvPr/>
+      </p:nvGrpSpPr>
+      <p:grpSpPr>
+        <a:xfrm>
+          <a:off x="0" y="0"/>
+          <a:ext cx="0" cy="0"/>
+          <a:chOff x="0" y="0"/>
+          <a:chExt cx="0" cy="0"/>
+        </a:xfrm>
+      </p:grpSpPr>
+      <p:sp>
+        <p:nvSpPr>
+          <p:cNvPr id="2" name="Title 1"/>
+          <p:cNvSpPr>
+            <a:spLocks noGrp="1"/>
+          </p:cNvSpPr>
+          <p:nvPr>
+            <p:ph type="title"/>
+          </p:nvPr>
+        </p:nvSpPr>
+        <p:spPr/>
+        <p:txBody>
+          <a:bodyPr/>
+          <a:lstStyle/>
+          <a:p>
+            <a:r>
+              <a:rPr lang="en-GB" dirty="0" smtClean="0"/>
+              <a:t>Requirements</a:t>
+            </a:r>
+            <a:endParaRPr lang="en-GB" dirty="0"/>
+          </a:p>
+        </p:txBody>
+      </p:sp>
+      <p:sp>
+        <p:nvSpPr>
+          <p:cNvPr id="3" name="Content Placeholder 2"/>
+          <p:cNvSpPr>
+            <a:spLocks noGrp="1"/>
+          </p:cNvSpPr>
+          <p:nvPr>
+            <p:ph idx="1"/>
+          </p:nvPr>
+        </p:nvSpPr>
+        <p:spPr>
+          <a:xfrm>
+            <a:off x="457200" y="1423317"/>
+            <a:ext cx="8229600" cy="4525963"/>
+          </a:xfrm>
+        </p:spPr>
+        <p:txBody>
+          <a:bodyPr>
+            <a:normAutofit lnSpcReduction="10000"/>
+          </a:bodyPr>
+          <a:lstStyle/>
+          <a:p>
+            <a:r>
+              <a:rPr lang="en-GB" dirty="0" smtClean="0"/>
+              <a:t>Functional</a:t>
+            </a:r>
+          </a:p>
+          <a:p>
+            <a:pPr lvl="1"/>
+            <a:r>
+              <a:rPr lang="en-GB" dirty="0" smtClean="0"/>
+              <a:t>Add, Edit, Delete &amp; Restore Entries</a:t>
+            </a:r>
+          </a:p>
+          <a:p>
+            <a:pPr lvl="1"/>
+            <a:r>
+              <a:rPr lang="en-GB" dirty="0" smtClean="0"/>
+              <a:t>Search, Import &amp; Export Entries</a:t>
+            </a:r>
+          </a:p>
+          <a:p>
+            <a:pPr lvl="1"/>
+            <a:r>
+              <a:rPr lang="en-GB" dirty="0" smtClean="0"/>
+              <a:t>Duplicate Entry Management &amp; </a:t>
+            </a:r>
+            <a:r>
+              <a:rPr lang="en-GB" dirty="0" smtClean="0"/>
+              <a:t>Revision</a:t>
+            </a:r>
+            <a:endParaRPr lang="en-GB" dirty="0"/>
+          </a:p>
+          <a:p>
+            <a:r>
+              <a:rPr lang="en-GB" dirty="0" smtClean="0"/>
+              <a:t>Non-Functional</a:t>
+            </a:r>
+          </a:p>
+          <a:p>
+            <a:pPr lvl="1"/>
+            <a:r>
+              <a:rPr lang="en-GB" dirty="0" smtClean="0"/>
+              <a:t>Centrally stored in a database</a:t>
+            </a:r>
+          </a:p>
+          <a:p>
+            <a:pPr lvl="1"/>
+            <a:r>
+              <a:rPr lang="en-GB" dirty="0" smtClean="0"/>
+              <a:t>Web-based: Multi-OS &amp; Multi-Browser</a:t>
+            </a:r>
+          </a:p>
+          <a:p>
+            <a:pPr lvl="1"/>
+            <a:r>
+              <a:rPr lang="en-GB" dirty="0" smtClean="0"/>
+              <a:t>Usable by target audience</a:t>
+            </a:r>
+          </a:p>
+          <a:p>
+            <a:pPr lvl="1"/>
+            <a:r>
+              <a:rPr lang="en-GB" dirty="0" smtClean="0"/>
+              <a:t>Facilitate concurrent user access</a:t>
+            </a:r>
+            <a:endParaRPr lang="en-GB" dirty="0"/>
+          </a:p>
+        </p:txBody>
+      </p:sp>
+    </p:spTree>
+    <p:extLst>
+      <p:ext uri="{BB962C8B-B14F-4D97-AF65-F5344CB8AC3E}">
+        <p14:creationId xmlns:p14="http://schemas.microsoft.com/office/powerpoint/2010/main" val="2219598583"/>
+      </p:ext>
+    </p:extLst>
+  </p:cSld>
+  <p:clrMapOvr>
+    <a:masterClrMapping/>
+  </p:clrMapOvr>
+  <p:timing>
+    <p:tnLst>
+      <p:par>
+        <p:cTn id="1" dur="indefinite" restart="never" nodeType="tmRoot"/>
+      </p:par>
+    </p:tnLst>
+  </p:timing>
+</p:sld>
+</file>
+
+<file path=ppt/slides/slide5.xml><?xml version="1.0" encoding="utf-8"?>
+<p:sld xmlns:a="http://schemas.openxmlformats.org/drawingml/2006/main" xmlns:r="http://schemas.openxmlformats.org/officeDocument/2006/relationships" xmlns:p="http://schemas.openxmlformats.org/presentationml/2006/main">
+  <p:cSld>
+    <p:spTree>
+      <p:nvGrpSpPr>
+        <p:cNvPr id="1" name=""/>
+        <p:cNvGrpSpPr/>
+        <p:nvPr/>
+      </p:nvGrpSpPr>
+      <p:grpSpPr>
+        <a:xfrm>
+          <a:off x="0" y="0"/>
+          <a:ext cx="0" cy="0"/>
+          <a:chOff x="0" y="0"/>
+          <a:chExt cx="0" cy="0"/>
+        </a:xfrm>
+      </p:grpSpPr>
+      <p:sp>
+        <p:nvSpPr>
+          <p:cNvPr id="2" name="Title 1"/>
+          <p:cNvSpPr>
+            <a:spLocks noGrp="1"/>
+          </p:cNvSpPr>
+          <p:nvPr>
+            <p:ph type="title"/>
+          </p:nvPr>
+        </p:nvSpPr>
+        <p:spPr/>
+        <p:txBody>
+          <a:bodyPr/>
+          <a:lstStyle/>
+          <a:p>
+            <a:r>
+              <a:rPr lang="en-GB" dirty="0" smtClean="0"/>
+              <a:t>Design and Implementation</a:t>
+            </a:r>
+            <a:endParaRPr lang="en-GB" dirty="0"/>
+          </a:p>
+        </p:txBody>
+      </p:sp>
+      <p:sp>
+        <p:nvSpPr>
+          <p:cNvPr id="3" name="Content Placeholder 2"/>
+          <p:cNvSpPr>
+            <a:spLocks noGrp="1"/>
+          </p:cNvSpPr>
+          <p:nvPr>
+            <p:ph idx="1"/>
+          </p:nvPr>
+        </p:nvSpPr>
+        <p:spPr>
+          <a:xfrm>
+            <a:off x="457200" y="1412776"/>
+            <a:ext cx="8229600" cy="4896544"/>
+          </a:xfrm>
+        </p:spPr>
+        <p:txBody>
+          <a:bodyPr/>
+          <a:lstStyle/>
+          <a:p>
+            <a:r>
+              <a:rPr lang="en-GB" dirty="0" smtClean="0"/>
+              <a:t>Focus on consistent, clean, intuitive interface</a:t>
+            </a:r>
+          </a:p>
+          <a:p>
+            <a:r>
+              <a:rPr lang="en-GB" dirty="0" smtClean="0"/>
+              <a:t>C</a:t>
+            </a:r>
+            <a:r>
+              <a:rPr lang="en-GB" dirty="0" smtClean="0"/>
+              <a:t># under the Microsoft.NET framework</a:t>
+            </a:r>
+          </a:p>
+          <a:p>
+            <a:r>
+              <a:rPr lang="en-GB" dirty="0" smtClean="0"/>
+              <a:t>Wide array of languages &amp; technologies </a:t>
+            </a:r>
+            <a:r>
+              <a:rPr lang="en-GB" dirty="0" smtClean="0"/>
+              <a:t>encountered:</a:t>
+            </a:r>
+          </a:p>
+          <a:p>
+            <a:pPr lvl="1"/>
+            <a:r>
+              <a:rPr lang="en-GB" dirty="0" smtClean="0"/>
+              <a:t>ASP.NET / HTML, </a:t>
+            </a:r>
+            <a:r>
+              <a:rPr lang="en-GB" dirty="0" smtClean="0"/>
+              <a:t>C#, </a:t>
+            </a:r>
+            <a:r>
+              <a:rPr lang="en-GB" dirty="0" smtClean="0"/>
+              <a:t>CSS, </a:t>
+            </a:r>
+            <a:r>
+              <a:rPr lang="en-GB" dirty="0" smtClean="0"/>
+              <a:t>JavaScript and </a:t>
+            </a:r>
+            <a:r>
+              <a:rPr lang="en-GB" dirty="0" smtClean="0"/>
+              <a:t>SQL</a:t>
+            </a:r>
+          </a:p>
+          <a:p>
+            <a:pPr lvl="1"/>
+            <a:r>
+              <a:rPr lang="en-GB" dirty="0" smtClean="0"/>
+              <a:t>Model-View-Controller</a:t>
+            </a:r>
+          </a:p>
+          <a:p>
+            <a:pPr lvl="1"/>
+            <a:r>
+              <a:rPr lang="en-GB" dirty="0" err="1" smtClean="0"/>
+              <a:t>NHibernate</a:t>
+            </a:r>
+            <a:endParaRPr lang="en-GB" dirty="0" smtClean="0"/>
+          </a:p>
+          <a:p>
+            <a:r>
+              <a:rPr lang="en-GB" dirty="0" smtClean="0"/>
+              <a:t>Implementation focussed on software engineering practice</a:t>
+            </a:r>
+            <a:endParaRPr lang="en-GB" dirty="0" smtClean="0"/>
+          </a:p>
+        </p:txBody>
+      </p:sp>
+      <p:pic>
+        <p:nvPicPr>
+          <p:cNvPr id="5122" name="Picture 2" descr="C:\Users\Johnny\level4Project\trunk\Dissertation\images\ArchitectureOverviewDiagram.png"/>
+          <p:cNvPicPr>
+            <a:picLocks noChangeAspect="1" noChangeArrowheads="1"/>
+          </p:cNvPicPr>
+          <p:nvPr/>
+        </p:nvPicPr>
+        <p:blipFill>
+          <a:blip r:embed="rId2">
+            <a:extLst>
+              <a:ext uri="{28A0092B-C50C-407E-A947-70E740481C1C}">
+                <a14:useLocalDpi xmlns:a14="http://schemas.microsoft.com/office/drawing/2010/main" val="0"/>
+              </a:ext>
+            </a:extLst>
+          </a:blip>
+          <a:srcRect/>
+          <a:stretch>
+            <a:fillRect/>
+          </a:stretch>
+        </p:blipFill>
+        <p:spPr bwMode="auto">
+          <a:xfrm>
+            <a:off x="3707904" y="2729336"/>
+            <a:ext cx="4916031" cy="3672408"/>
+          </a:xfrm>
+          <a:prstGeom prst="rect">
+            <a:avLst/>
+          </a:prstGeom>
+          <a:ln w="38100" cap="sq">
+            <a:solidFill>
+              <a:srgbClr val="000000"/>
+            </a:solidFill>
+            <a:prstDash val="solid"/>
+            <a:miter lim="800000"/>
+          </a:ln>
+          <a:effectLst>
+            <a:outerShdw blurRad="50800" dist="38100" dir="2700000" algn="tl" rotWithShape="0">
+              <a:srgbClr val="000000">
+                <a:alpha val="43000"/>
+              </a:srgbClr>
+            </a:outerShdw>
+          </a:effectLst>
+          <a:extLst>
+            <a:ext uri="{909E8E84-426E-40DD-AFC4-6F175D3DCCD1}">
+              <a14:hiddenFill xmlns:a14="http://schemas.microsoft.com/office/drawing/2010/main">
+                <a:solidFill>
+                  <a:srgbClr val="FFFFFF"/>
+                </a:solidFill>
+              </a14:hiddenFill>
+            </a:ext>
+          </a:extLst>
+        </p:spPr>
+      </p:pic>
+    </p:spTree>
+    <p:extLst>
+      <p:ext uri="{BB962C8B-B14F-4D97-AF65-F5344CB8AC3E}">
+        <p14:creationId xmlns:p14="http://schemas.microsoft.com/office/powerpoint/2010/main" val="2219598583"/>
+      </p:ext>
+    </p:extLst>
+  </p:cSld>
+  <p:clrMapOvr>
+    <a:masterClrMapping/>
+  </p:clrMapOvr>
+  <p:timing>
+    <p:tnLst>
+      <p:par>
+        <p:cTn id="1" dur="indefinite" restart="never" nodeType="tmRoot">
+          <p:childTnLst>
+            <p:seq concurrent="1" nextAc="seek">
+              <p:cTn id="2" dur="indefinite" nodeType="mainSeq">
+                <p:childTnLst>
+                  <p:par>
+                    <p:cTn id="3" fill="hold">
+                      <p:stCondLst>
+                        <p:cond delay="indefinite"/>
+                      </p:stCondLst>
+                      <p:childTnLst>
+                        <p:par>
+                          <p:cTn id="4" fill="hold">
+                            <p:stCondLst>
+                              <p:cond delay="0"/>
+                            </p:stCondLst>
+                            <p:childTnLst>
+                              <p:par>
+                                <p:cTn id="5" presetID="10" presetClass="entr" presetSubtype="0" fill="hold" nodeType="clickEffect">
+                                  <p:stCondLst>
+                                    <p:cond delay="0"/>
+                                  </p:stCondLst>
+                                  <p:childTnLst>
+                                    <p:set>
+                                      <p:cBhvr>
+                                        <p:cTn id="6" dur="1" fill="hold">
+                                          <p:stCondLst>
+                                            <p:cond delay="0"/>
+                                          </p:stCondLst>
+                                        </p:cTn>
+                                        <p:tgtEl>
+                                          <p:spTgt spid="5122"/>
+                                        </p:tgtEl>
+                                        <p:attrNameLst>
+                                          <p:attrName>style.visibility</p:attrName>
+                                        </p:attrNameLst>
+                                      </p:cBhvr>
+                                      <p:to>
+                                        <p:strVal val="visible"/>
+                                      </p:to>
+                                    </p:set>
+                                    <p:animEffect transition="in" filter="fade">
+                                      <p:cBhvr>
+                                        <p:cTn id="7" dur="500"/>
+                                        <p:tgtEl>
+                                          <p:spTgt spid="5122"/>
+                                        </p:tgtEl>
+                                      </p:cBhvr>
+                                    </p:animEffect>
+                                  </p:childTnLst>
+                                </p:cTn>
+                              </p:par>
+                            </p:childTnLst>
+                          </p:cTn>
+                        </p:par>
+                      </p:childTnLst>
+                    </p:cTn>
+                  </p:par>
+                </p:childTnLst>
+              </p:cTn>
+              <p:prevCondLst>
+                <p:cond evt="onPrev" delay="0">
+                  <p:tgtEl>
+                    <p:sldTgt/>
+                  </p:tgtEl>
+                </p:cond>
+              </p:prevCondLst>
+              <p:nextCondLst>
+                <p:cond evt="onNext" delay="0">
+                  <p:tgtEl>
+                    <p:sldTgt/>
+                  </p:tgtEl>
+                </p:cond>
+              </p:nextCondLst>
+            </p:seq>
+          </p:childTnLst>
+        </p:cTn>
+      </p:par>
+    </p:tnLst>
+  </p:timing>
+</p:sld>
+</file>
+
+<file path=ppt/slides/slide6.xml><?xml version="1.0" encoding="utf-8"?>
+<p:sld xmlns:a="http://schemas.openxmlformats.org/drawingml/2006/main" xmlns:r="http://schemas.openxmlformats.org/officeDocument/2006/relationships" xmlns:p="http://schemas.openxmlformats.org/presentationml/2006/main">
+  <p:cSld>
+    <p:spTree>
+      <p:nvGrpSpPr>
+        <p:cNvPr id="1" name=""/>
+        <p:cNvGrpSpPr/>
+        <p:nvPr/>
+      </p:nvGrpSpPr>
+      <p:grpSpPr>
+        <a:xfrm>
+          <a:off x="0" y="0"/>
+          <a:ext cx="0" cy="0"/>
+          <a:chOff x="0" y="0"/>
+          <a:chExt cx="0" cy="0"/>
+        </a:xfrm>
+      </p:grpSpPr>
+      <p:sp>
+        <p:nvSpPr>
+          <p:cNvPr id="2" name="Title 1"/>
+          <p:cNvSpPr>
+            <a:spLocks noGrp="1"/>
+          </p:cNvSpPr>
+          <p:nvPr>
+            <p:ph type="title"/>
+          </p:nvPr>
+        </p:nvSpPr>
+        <p:spPr/>
+        <p:txBody>
+          <a:bodyPr/>
+          <a:lstStyle/>
+          <a:p>
+            <a:r>
+              <a:rPr lang="en-GB" dirty="0" smtClean="0"/>
+              <a:t>Concurrent </a:t>
+            </a:r>
+            <a:r>
+              <a:rPr lang="en-GB" dirty="0" smtClean="0"/>
+              <a:t>Access (1)</a:t>
+            </a:r>
+            <a:endParaRPr lang="en-GB" dirty="0"/>
+          </a:p>
+        </p:txBody>
+      </p:sp>
+      <p:sp>
+        <p:nvSpPr>
+          <p:cNvPr id="3" name="Content Placeholder 2"/>
+          <p:cNvSpPr>
+            <a:spLocks noGrp="1"/>
+          </p:cNvSpPr>
+          <p:nvPr>
+            <p:ph idx="1"/>
+          </p:nvPr>
+        </p:nvSpPr>
+        <p:spPr>
+          <a:xfrm>
+            <a:off x="457200" y="1412776"/>
+            <a:ext cx="4474840" cy="4525963"/>
+          </a:xfrm>
+        </p:spPr>
+        <p:txBody>
+          <a:bodyPr/>
+          <a:lstStyle/>
+          <a:p>
+            <a:r>
+              <a:rPr lang="en-GB" dirty="0" smtClean="0"/>
+              <a:t>Implemented by web services and AJAX</a:t>
+            </a:r>
+          </a:p>
+          <a:p>
+            <a:r>
+              <a:rPr lang="en-GB" dirty="0" smtClean="0"/>
+              <a:t>List of entries</a:t>
+            </a:r>
+          </a:p>
+          <a:p>
+            <a:r>
+              <a:rPr lang="en-GB" dirty="0" smtClean="0"/>
+              <a:t>Notification when entries are:</a:t>
+            </a:r>
+          </a:p>
+          <a:p>
+            <a:pPr lvl="1"/>
+            <a:r>
+              <a:rPr lang="en-GB" dirty="0" smtClean="0"/>
+              <a:t>Added</a:t>
+            </a:r>
+          </a:p>
+          <a:p>
+            <a:pPr lvl="1"/>
+            <a:r>
+              <a:rPr lang="en-GB" dirty="0" smtClean="0"/>
+              <a:t>Modified</a:t>
+            </a:r>
+          </a:p>
+          <a:p>
+            <a:pPr lvl="1"/>
+            <a:r>
+              <a:rPr lang="en-GB" dirty="0" smtClean="0"/>
+              <a:t>Deleted</a:t>
+            </a:r>
+          </a:p>
+          <a:p>
+            <a:endParaRPr lang="en-GB" dirty="0"/>
+          </a:p>
+        </p:txBody>
+      </p:sp>
+      <p:pic>
+        <p:nvPicPr>
+          <p:cNvPr id="1026" name="Picture 2" descr="C:\Users\Johnny\Documents\ConcurrencyColours.png"/>
+          <p:cNvPicPr>
+            <a:picLocks noChangeAspect="1" noChangeArrowheads="1"/>
+          </p:cNvPicPr>
+          <p:nvPr/>
+        </p:nvPicPr>
+        <p:blipFill rotWithShape="1">
+          <a:blip r:embed="rId2">
+            <a:extLst>
+              <a:ext uri="{28A0092B-C50C-407E-A947-70E740481C1C}">
+                <a14:useLocalDpi xmlns:a14="http://schemas.microsoft.com/office/drawing/2010/main" val="0"/>
+              </a:ext>
+            </a:extLst>
+          </a:blip>
+          <a:srcRect l="4775" t="13259" r="53835" b="2743"/>
+          <a:stretch/>
+        </p:blipFill>
+        <p:spPr bwMode="auto">
+          <a:xfrm>
+            <a:off x="5220072" y="1484784"/>
+            <a:ext cx="3406951" cy="4520451"/>
+          </a:xfrm>
+          <a:prstGeom prst="rect">
+            <a:avLst/>
+          </a:prstGeom>
+          <a:ln w="38100" cap="sq">
+            <a:solidFill>
+              <a:srgbClr val="000000"/>
+            </a:solidFill>
+            <a:prstDash val="solid"/>
+            <a:miter lim="800000"/>
+          </a:ln>
+          <a:effectLst>
+            <a:outerShdw blurRad="50800" dist="38100" dir="2700000" algn="tl" rotWithShape="0">
+              <a:srgbClr val="000000">
+                <a:alpha val="43000"/>
+              </a:srgbClr>
+            </a:outerShdw>
+          </a:effectLst>
+          <a:extLst>
+            <a:ext uri="{909E8E84-426E-40DD-AFC4-6F175D3DCCD1}">
+              <a14:hiddenFill xmlns:a14="http://schemas.microsoft.com/office/drawing/2010/main">
+                <a:solidFill>
+                  <a:srgbClr val="FFFFFF"/>
+                </a:solidFill>
+              </a14:hiddenFill>
+            </a:ext>
+          </a:extLst>
+        </p:spPr>
+      </p:pic>
+    </p:spTree>
+    <p:extLst>
+      <p:ext uri="{BB962C8B-B14F-4D97-AF65-F5344CB8AC3E}">
+        <p14:creationId xmlns:p14="http://schemas.microsoft.com/office/powerpoint/2010/main" val="2219598583"/>
+      </p:ext>
+    </p:extLst>
+  </p:cSld>
+  <p:clrMapOvr>
+    <a:masterClrMapping/>
+  </p:clrMapOvr>
+  <p:timing>
+    <p:tnLst>
+      <p:par>
+        <p:cTn id="1" dur="indefinite" restart="never" nodeType="tmRoot">
+          <p:childTnLst>
+            <p:seq concurrent="1" nextAc="seek">
+              <p:cTn id="2" dur="indefinite" nodeType="mainSeq">
+                <p:childTnLst>
+                  <p:par>
+                    <p:cTn id="3" fill="hold">
+                      <p:stCondLst>
+                        <p:cond delay="indefinite"/>
+                      </p:stCondLst>
+                      <p:childTnLst>
+                        <p:par>
+                          <p:cTn id="4" fill="hold">
+                            <p:stCondLst>
+                              <p:cond delay="0"/>
+                            </p:stCondLst>
+                            <p:childTnLst>
+                              <p:par>
+                                <p:cTn id="5" presetID="10" presetClass="entr" presetSubtype="0" fill="hold" nodeType="clickEffect">
+                                  <p:stCondLst>
+                                    <p:cond delay="0"/>
+                                  </p:stCondLst>
+                                  <p:childTnLst>
+                                    <p:set>
+                                      <p:cBhvr>
+                                        <p:cTn id="6" dur="1" fill="hold">
+                                          <p:stCondLst>
+                                            <p:cond delay="0"/>
+                                          </p:stCondLst>
+                                        </p:cTn>
+                                        <p:tgtEl>
+                                          <p:spTgt spid="1026"/>
+                                        </p:tgtEl>
+                                        <p:attrNameLst>
+                                          <p:attrName>style.visibility</p:attrName>
+                                        </p:attrNameLst>
+                                      </p:cBhvr>
+                                      <p:to>
+                                        <p:strVal val="visible"/>
+                                      </p:to>
+                                    </p:set>
+                                    <p:animEffect transition="in" filter="fade">
+                                      <p:cBhvr>
+                                        <p:cTn id="7" dur="500"/>
+                                        <p:tgtEl>
+                                          <p:spTgt spid="1026"/>
+                                        </p:tgtEl>
+                                      </p:cBhvr>
+                                    </p:animEffect>
+                                  </p:childTnLst>
+                                </p:cTn>
+                              </p:par>
+                            </p:childTnLst>
+                          </p:cTn>
+                        </p:par>
+                      </p:childTnLst>
+                    </p:cTn>
+                  </p:par>
+                </p:childTnLst>
+              </p:cTn>
+              <p:prevCondLst>
+                <p:cond evt="onPrev" delay="0">
+                  <p:tgtEl>
+                    <p:sldTgt/>
+                  </p:tgtEl>
+                </p:cond>
+              </p:prevCondLst>
+              <p:nextCondLst>
+                <p:cond evt="onNext" delay="0">
+                  <p:tgtEl>
+                    <p:sldTgt/>
+                  </p:tgtEl>
+                </p:cond>
+              </p:nextCondLst>
+            </p:seq>
+          </p:childTnLst>
+        </p:cTn>
+      </p:par>
+    </p:tnLst>
+  </p:timing>
+</p:sld>
+</file>
+
+<file path=ppt/slides/slide7.xml><?xml version="1.0" encoding="utf-8"?>
+<p:sld xmlns:a="http://schemas.openxmlformats.org/drawingml/2006/main" xmlns:r="http://schemas.openxmlformats.org/officeDocument/2006/relationships" xmlns:p="http://schemas.openxmlformats.org/presentationml/2006/main">
+  <p:cSld>
+    <p:spTree>
+      <p:nvGrpSpPr>
+        <p:cNvPr id="1" name=""/>
+        <p:cNvGrpSpPr/>
+        <p:nvPr/>
+      </p:nvGrpSpPr>
+      <p:grpSpPr>
+        <a:xfrm>
+          <a:off x="0" y="0"/>
+          <a:ext cx="0" cy="0"/>
+          <a:chOff x="0" y="0"/>
+          <a:chExt cx="0" cy="0"/>
+        </a:xfrm>
+      </p:grpSpPr>
+      <p:sp>
+        <p:nvSpPr>
+          <p:cNvPr id="2" name="Title 1"/>
+          <p:cNvSpPr>
+            <a:spLocks noGrp="1"/>
+          </p:cNvSpPr>
+          <p:nvPr>
+            <p:ph type="title"/>
+          </p:nvPr>
+        </p:nvSpPr>
+        <p:spPr/>
+        <p:txBody>
+          <a:bodyPr>
+            <a:normAutofit/>
+          </a:bodyPr>
+          <a:lstStyle/>
+          <a:p>
+            <a:r>
+              <a:rPr lang="en-GB" dirty="0" smtClean="0"/>
+              <a:t>Concurrent </a:t>
+            </a:r>
+            <a:r>
+              <a:rPr lang="en-GB" dirty="0" smtClean="0"/>
+              <a:t>Access (2)</a:t>
+            </a:r>
+            <a:endParaRPr lang="en-GB" dirty="0"/>
+          </a:p>
+        </p:txBody>
+      </p:sp>
+      <p:sp>
+        <p:nvSpPr>
+          <p:cNvPr id="3" name="Content Placeholder 2"/>
+          <p:cNvSpPr>
+            <a:spLocks noGrp="1"/>
+          </p:cNvSpPr>
+          <p:nvPr>
+            <p:ph idx="1"/>
+          </p:nvPr>
+        </p:nvSpPr>
+        <p:spPr>
+          <a:xfrm>
+            <a:off x="457200" y="1412776"/>
+            <a:ext cx="3250704" cy="4525963"/>
+          </a:xfrm>
+        </p:spPr>
+        <p:txBody>
+          <a:bodyPr>
+            <a:normAutofit lnSpcReduction="10000"/>
+          </a:bodyPr>
+          <a:lstStyle/>
+          <a:p>
+            <a:r>
+              <a:rPr lang="en-GB" dirty="0" smtClean="0"/>
+              <a:t>Facilitated by web service</a:t>
+            </a:r>
+          </a:p>
+          <a:p>
+            <a:r>
+              <a:rPr lang="en-GB" dirty="0" smtClean="0"/>
+              <a:t>AJAX calls web service every 3 seconds</a:t>
+            </a:r>
+          </a:p>
+          <a:p>
+            <a:r>
+              <a:rPr lang="en-GB" dirty="0" smtClean="0"/>
+              <a:t>Clear feedback</a:t>
+            </a:r>
+          </a:p>
+          <a:p>
+            <a:r>
+              <a:rPr lang="en-GB" dirty="0" smtClean="0"/>
+              <a:t>Allows viewing of changes in new tab</a:t>
+            </a:r>
+            <a:endParaRPr lang="en-GB" dirty="0" smtClean="0"/>
+          </a:p>
+          <a:p>
+            <a:endParaRPr lang="en-GB" dirty="0" smtClean="0"/>
+          </a:p>
+          <a:p>
+            <a:endParaRPr lang="en-GB" dirty="0"/>
+          </a:p>
+        </p:txBody>
+      </p:sp>
+      <p:pic>
+        <p:nvPicPr>
+          <p:cNvPr id="2050" name="Picture 2" descr="C:\Users\Johnny\Documents\ScreenShot003.png"/>
+          <p:cNvPicPr>
+            <a:picLocks noChangeAspect="1" noChangeArrowheads="1"/>
+          </p:cNvPicPr>
+          <p:nvPr/>
+        </p:nvPicPr>
+        <p:blipFill rotWithShape="1">
+          <a:blip r:embed="rId2">
+            <a:extLst>
+              <a:ext uri="{28A0092B-C50C-407E-A947-70E740481C1C}">
+                <a14:useLocalDpi xmlns:a14="http://schemas.microsoft.com/office/drawing/2010/main" val="0"/>
+              </a:ext>
+            </a:extLst>
+          </a:blip>
+          <a:srcRect l="53552" t="23382" r="7420" b="50000"/>
+          <a:stretch/>
+        </p:blipFill>
+        <p:spPr bwMode="auto">
+          <a:xfrm>
+            <a:off x="3851920" y="1437928"/>
+            <a:ext cx="4758293" cy="2028274"/>
+          </a:xfrm>
+          <a:prstGeom prst="rect">
+            <a:avLst/>
+          </a:prstGeom>
+          <a:ln w="38100" cap="sq">
+            <a:solidFill>
+              <a:srgbClr val="000000"/>
+            </a:solidFill>
+            <a:prstDash val="solid"/>
+            <a:miter lim="800000"/>
+          </a:ln>
+          <a:effectLst>
+            <a:outerShdw blurRad="50800" dist="38100" dir="2700000" algn="tl" rotWithShape="0">
+              <a:srgbClr val="000000">
+                <a:alpha val="43000"/>
+              </a:srgbClr>
+            </a:outerShdw>
+          </a:effectLst>
+          <a:extLst>
+            <a:ext uri="{909E8E84-426E-40DD-AFC4-6F175D3DCCD1}">
+              <a14:hiddenFill xmlns:a14="http://schemas.microsoft.com/office/drawing/2010/main">
+                <a:solidFill>
+                  <a:srgbClr val="FFFFFF"/>
+                </a:solidFill>
+              </a14:hiddenFill>
+            </a:ext>
+          </a:extLst>
+        </p:spPr>
+      </p:pic>
+      <p:pic>
+        <p:nvPicPr>
+          <p:cNvPr id="2051" name="Picture 3" descr="C:\Users\Johnny\Documents\ScreenShot005.png"/>
+          <p:cNvPicPr>
+            <a:picLocks noChangeAspect="1" noChangeArrowheads="1"/>
+          </p:cNvPicPr>
+          <p:nvPr/>
+        </p:nvPicPr>
+        <p:blipFill rotWithShape="1">
+          <a:blip r:embed="rId3">
+            <a:extLst>
+              <a:ext uri="{28A0092B-C50C-407E-A947-70E740481C1C}">
+                <a14:useLocalDpi xmlns:a14="http://schemas.microsoft.com/office/drawing/2010/main" val="0"/>
+              </a:ext>
+            </a:extLst>
+          </a:blip>
+          <a:srcRect l="1919" t="16293" r="454" b="24798"/>
+          <a:stretch/>
+        </p:blipFill>
+        <p:spPr bwMode="auto">
+          <a:xfrm>
+            <a:off x="3851920" y="4123819"/>
+            <a:ext cx="4770370" cy="1969477"/>
+          </a:xfrm>
+          <a:prstGeom prst="rect">
+            <a:avLst/>
+          </a:prstGeom>
+          <a:ln w="38100" cap="sq">
+            <a:solidFill>
+              <a:srgbClr val="000000"/>
+            </a:solidFill>
+            <a:prstDash val="solid"/>
+            <a:miter lim="800000"/>
+          </a:ln>
+          <a:effectLst>
+            <a:outerShdw blurRad="50800" dist="38100" dir="2700000" algn="tl" rotWithShape="0">
+              <a:srgbClr val="000000">
+                <a:alpha val="43000"/>
+              </a:srgbClr>
+            </a:outerShdw>
+          </a:effectLst>
+          <a:extLst>
+            <a:ext uri="{909E8E84-426E-40DD-AFC4-6F175D3DCCD1}">
+              <a14:hiddenFill xmlns:a14="http://schemas.microsoft.com/office/drawing/2010/main">
+                <a:solidFill>
+                  <a:srgbClr val="FFFFFF"/>
+                </a:solidFill>
+              </a14:hiddenFill>
+            </a:ext>
+          </a:extLst>
+        </p:spPr>
+      </p:pic>
+    </p:spTree>
+    <p:extLst>
+      <p:ext uri="{BB962C8B-B14F-4D97-AF65-F5344CB8AC3E}">
+        <p14:creationId xmlns:p14="http://schemas.microsoft.com/office/powerpoint/2010/main" val="3387263683"/>
+      </p:ext>
+    </p:extLst>
+  </p:cSld>
+  <p:clrMapOvr>
+    <a:masterClrMapping/>
+  </p:clrMapOvr>
+  <p:timing>
+    <p:tnLst>
+      <p:par>
+        <p:cTn id="1" dur="indefinite" restart="never" nodeType="tmRoot">
+          <p:childTnLst>
+            <p:seq concurrent="1" nextAc="seek">
+              <p:cTn id="2" dur="indefinite" nodeType="mainSeq">
+                <p:childTnLst>
+                  <p:par>
+                    <p:cTn id="3" fill="hold">
+                      <p:stCondLst>
+                        <p:cond delay="indefinite"/>
+                      </p:stCondLst>
+                      <p:childTnLst>
+                        <p:par>
+                          <p:cTn id="4" fill="hold">
+                            <p:stCondLst>
+                              <p:cond delay="0"/>
+                            </p:stCondLst>
+                            <p:childTnLst>
+                              <p:par>
+                                <p:cTn id="5" presetID="10" presetClass="entr" presetSubtype="0" fill="hold" nodeType="clickEffect">
+                                  <p:stCondLst>
+                                    <p:cond delay="0"/>
+                                  </p:stCondLst>
+                                  <p:childTnLst>
+                                    <p:set>
+                                      <p:cBhvr>
+                                        <p:cTn id="6" dur="1" fill="hold">
+                                          <p:stCondLst>
+                                            <p:cond delay="0"/>
+                                          </p:stCondLst>
+                                        </p:cTn>
+                                        <p:tgtEl>
+                                          <p:spTgt spid="2050"/>
+                                        </p:tgtEl>
+                                        <p:attrNameLst>
+                                          <p:attrName>style.visibility</p:attrName>
+                                        </p:attrNameLst>
+                                      </p:cBhvr>
+                                      <p:to>
+                                        <p:strVal val="visible"/>
+                                      </p:to>
+                                    </p:set>
+                                    <p:animEffect transition="in" filter="fade">
+                                      <p:cBhvr>
+                                        <p:cTn id="7" dur="500"/>
+                                        <p:tgtEl>
+                                          <p:spTgt spid="2050"/>
+                                        </p:tgtEl>
+                                      </p:cBhvr>
+                                    </p:animEffect>
+                                  </p:childTnLst>
+                                </p:cTn>
+                              </p:par>
+                            </p:childTnLst>
+                          </p:cTn>
+                        </p:par>
+                      </p:childTnLst>
+                    </p:cTn>
+                  </p:par>
+                  <p:par>
+                    <p:cTn id="8" fill="hold">
+                      <p:stCondLst>
+                        <p:cond delay="indefinite"/>
+                      </p:stCondLst>
+                      <p:childTnLst>
+                        <p:par>
+                          <p:cTn id="9" fill="hold">
+                            <p:stCondLst>
+                              <p:cond delay="0"/>
+                            </p:stCondLst>
+                            <p:childTnLst>
+                              <p:par>
+                                <p:cTn id="10" presetID="10" presetClass="entr" presetSubtype="0" fill="hold" nodeType="clickEffect">
+                                  <p:stCondLst>
+                                    <p:cond delay="0"/>
+                                  </p:stCondLst>
+                                  <p:childTnLst>
+                                    <p:set>
+                                      <p:cBhvr>
+                                        <p:cTn id="11" dur="1" fill="hold">
+                                          <p:stCondLst>
+                                            <p:cond delay="0"/>
+                                          </p:stCondLst>
+                                        </p:cTn>
+                                        <p:tgtEl>
+                                          <p:spTgt spid="2051"/>
+                                        </p:tgtEl>
+                                        <p:attrNameLst>
+                                          <p:attrName>style.visibility</p:attrName>
+                                        </p:attrNameLst>
+                                      </p:cBhvr>
+                                      <p:to>
+                                        <p:strVal val="visible"/>
+                                      </p:to>
+                                    </p:set>
+                                    <p:animEffect transition="in" filter="fade">
+                                      <p:cBhvr>
+                                        <p:cTn id="12" dur="500"/>
+                                        <p:tgtEl>
+                                          <p:spTgt spid="2051"/>
+                                        </p:tgtEl>
+                                      </p:cBhvr>
+                                    </p:animEffect>
+                                  </p:childTnLst>
+                                </p:cTn>
+                              </p:par>
+                            </p:childTnLst>
+                          </p:cTn>
+                        </p:par>
+                      </p:childTnLst>
+                    </p:cTn>
+                  </p:par>
+                </p:childTnLst>
+              </p:cTn>
+              <p:prevCondLst>
+                <p:cond evt="onPrev" delay="0">
+                  <p:tgtEl>
+                    <p:sldTgt/>
+                  </p:tgtEl>
+                </p:cond>
+              </p:prevCondLst>
+              <p:nextCondLst>
+                <p:cond evt="onNext" delay="0">
+                  <p:tgtEl>
+                    <p:sldTgt/>
+                  </p:tgtEl>
+                </p:cond>
+              </p:nextCondLst>
+            </p:seq>
+          </p:childTnLst>
+        </p:cTn>
+      </p:par>
+    </p:tnLst>
+  </p:timing>
+</p:sld>
+</file>
+
+<file path=ppt/slides/slide8.xml><?xml version="1.0" encoding="utf-8"?>
+<p:sld xmlns:a="http://schemas.openxmlformats.org/drawingml/2006/main" xmlns:r="http://schemas.openxmlformats.org/officeDocument/2006/relationships" xmlns:p="http://schemas.openxmlformats.org/presentationml/2006/main">
+  <p:cSld>
+    <p:spTree>
+      <p:nvGrpSpPr>
+        <p:cNvPr id="1" name=""/>
+        <p:cNvGrpSpPr/>
+        <p:nvPr/>
+      </p:nvGrpSpPr>
+      <p:grpSpPr>
+        <a:xfrm>
+          <a:off x="0" y="0"/>
+          <a:ext cx="0" cy="0"/>
+          <a:chOff x="0" y="0"/>
+          <a:chExt cx="0" cy="0"/>
+        </a:xfrm>
+      </p:grpSpPr>
+      <p:sp>
+        <p:nvSpPr>
+          <p:cNvPr id="2" name="Title 1"/>
+          <p:cNvSpPr>
+            <a:spLocks noGrp="1"/>
+          </p:cNvSpPr>
+          <p:nvPr>
+            <p:ph type="title"/>
+          </p:nvPr>
+        </p:nvSpPr>
+        <p:spPr/>
+        <p:txBody>
+          <a:bodyPr/>
+          <a:lstStyle/>
+          <a:p>
+            <a:r>
+              <a:rPr lang="en-GB" dirty="0" smtClean="0"/>
+              <a:t>Testing</a:t>
+            </a:r>
+            <a:endParaRPr lang="en-GB" dirty="0"/>
+          </a:p>
+        </p:txBody>
+      </p:sp>
+      <p:sp>
+        <p:nvSpPr>
+          <p:cNvPr id="3" name="Content Placeholder 2"/>
+          <p:cNvSpPr>
+            <a:spLocks noGrp="1"/>
+          </p:cNvSpPr>
+          <p:nvPr>
+            <p:ph idx="1"/>
+          </p:nvPr>
+        </p:nvSpPr>
+        <p:spPr>
+          <a:xfrm>
+            <a:off x="457200" y="1412776"/>
+            <a:ext cx="8229600" cy="4525963"/>
+          </a:xfrm>
+        </p:spPr>
+        <p:txBody>
+          <a:bodyPr/>
+          <a:lstStyle/>
+          <a:p>
+            <a:r>
+              <a:rPr lang="en-GB" dirty="0" smtClean="0"/>
+              <a:t>Unit tests</a:t>
+            </a:r>
+          </a:p>
+          <a:p>
+            <a:pPr lvl="1"/>
+            <a:r>
+              <a:rPr lang="en-GB" dirty="0" err="1" smtClean="0"/>
+              <a:t>NUnit</a:t>
+            </a:r>
+            <a:endParaRPr lang="en-GB" dirty="0" smtClean="0"/>
+          </a:p>
+          <a:p>
+            <a:pPr lvl="1"/>
+            <a:r>
+              <a:rPr lang="en-GB" dirty="0" smtClean="0"/>
+              <a:t>1-click runs</a:t>
+            </a:r>
+          </a:p>
+          <a:p>
+            <a:pPr lvl="1"/>
+            <a:endParaRPr lang="en-GB" dirty="0" smtClean="0"/>
+          </a:p>
+          <a:p>
+            <a:r>
+              <a:rPr lang="en-GB" dirty="0" smtClean="0"/>
+              <a:t>Bug Tracking</a:t>
+            </a:r>
+          </a:p>
+          <a:p>
+            <a:pPr lvl="1"/>
+            <a:r>
+              <a:rPr lang="en-GB" dirty="0" err="1" smtClean="0"/>
+              <a:t>SourceForge</a:t>
+            </a:r>
+            <a:r>
+              <a:rPr lang="en-GB" dirty="0" smtClean="0"/>
+              <a:t> hosted</a:t>
+            </a:r>
+          </a:p>
+          <a:p>
+            <a:pPr lvl="1"/>
+            <a:r>
+              <a:rPr lang="en-GB" dirty="0" smtClean="0"/>
+              <a:t>Bugs not forgotten</a:t>
+            </a:r>
+            <a:endParaRPr lang="en-GB" dirty="0"/>
+          </a:p>
+        </p:txBody>
+      </p:sp>
+      <p:pic>
+        <p:nvPicPr>
+          <p:cNvPr id="3074" name="Picture 2" descr="C:\Users\Johnny\Documents\ScreenShot001.png"/>
+          <p:cNvPicPr>
+            <a:picLocks noChangeAspect="1" noChangeArrowheads="1"/>
+          </p:cNvPicPr>
+          <p:nvPr/>
+        </p:nvPicPr>
+        <p:blipFill>
+          <a:blip r:embed="rId2">
+            <a:extLst>
+              <a:ext uri="{28A0092B-C50C-407E-A947-70E740481C1C}">
+                <a14:useLocalDpi xmlns:a14="http://schemas.microsoft.com/office/drawing/2010/main" val="0"/>
+              </a:ext>
+            </a:extLst>
+          </a:blip>
+          <a:srcRect/>
+          <a:stretch>
+            <a:fillRect/>
+          </a:stretch>
+        </p:blipFill>
+        <p:spPr bwMode="auto">
+          <a:xfrm>
+            <a:off x="3923928" y="1484785"/>
+            <a:ext cx="4734934" cy="1800200"/>
+          </a:xfrm>
+          <a:prstGeom prst="rect">
+            <a:avLst/>
+          </a:prstGeom>
+          <a:ln w="38100" cap="sq">
+            <a:solidFill>
+              <a:srgbClr val="000000"/>
+            </a:solidFill>
+            <a:prstDash val="solid"/>
+            <a:miter lim="800000"/>
+          </a:ln>
+          <a:effectLst>
+            <a:outerShdw blurRad="50800" dist="38100" dir="2700000" algn="tl" rotWithShape="0">
+              <a:srgbClr val="000000">
+                <a:alpha val="43000"/>
+              </a:srgbClr>
+            </a:outerShdw>
+          </a:effectLst>
+          <a:extLst>
+            <a:ext uri="{909E8E84-426E-40DD-AFC4-6F175D3DCCD1}">
+              <a14:hiddenFill xmlns:a14="http://schemas.microsoft.com/office/drawing/2010/main">
+                <a:solidFill>
+                  <a:srgbClr val="FFFFFF"/>
+                </a:solidFill>
+              </a14:hiddenFill>
+            </a:ext>
+          </a:extLst>
+        </p:spPr>
+      </p:pic>
+      <p:pic>
+        <p:nvPicPr>
+          <p:cNvPr id="3075" name="Picture 3" descr="C:\Users\Johnny\Documents\BugTracker.png"/>
+          <p:cNvPicPr>
+            <a:picLocks noChangeAspect="1" noChangeArrowheads="1"/>
+          </p:cNvPicPr>
+          <p:nvPr/>
+        </p:nvPicPr>
+        <p:blipFill rotWithShape="1">
+          <a:blip r:embed="rId3">
+            <a:extLst>
+              <a:ext uri="{28A0092B-C50C-407E-A947-70E740481C1C}">
+                <a14:useLocalDpi xmlns:a14="http://schemas.microsoft.com/office/drawing/2010/main" val="0"/>
+              </a:ext>
+            </a:extLst>
+          </a:blip>
+          <a:srcRect t="14309"/>
+          <a:stretch/>
+        </p:blipFill>
+        <p:spPr bwMode="auto">
+          <a:xfrm>
+            <a:off x="4457138" y="3717032"/>
+            <a:ext cx="4201724" cy="2493681"/>
+          </a:xfrm>
+          <a:prstGeom prst="rect">
+            <a:avLst/>
+          </a:prstGeom>
+          <a:ln w="38100" cap="sq">
+            <a:solidFill>
+              <a:srgbClr val="000000"/>
+            </a:solidFill>
+            <a:prstDash val="solid"/>
+            <a:miter lim="800000"/>
+          </a:ln>
+          <a:effectLst>
+            <a:outerShdw blurRad="50800" dist="38100" dir="2700000" algn="tl" rotWithShape="0">
+              <a:srgbClr val="000000">
+                <a:alpha val="43000"/>
+              </a:srgbClr>
+            </a:outerShdw>
+          </a:effectLst>
+          <a:extLst>
+            <a:ext uri="{909E8E84-426E-40DD-AFC4-6F175D3DCCD1}">
+              <a14:hiddenFill xmlns:a14="http://schemas.microsoft.com/office/drawing/2010/main">
+                <a:solidFill>
+                  <a:srgbClr val="FFFFFF"/>
+                </a:solidFill>
+              </a14:hiddenFill>
+            </a:ext>
+          </a:extLst>
+        </p:spPr>
+      </p:pic>
+    </p:spTree>
+    <p:extLst>
+      <p:ext uri="{BB962C8B-B14F-4D97-AF65-F5344CB8AC3E}">
+        <p14:creationId xmlns:p14="http://schemas.microsoft.com/office/powerpoint/2010/main" val="921294301"/>
+      </p:ext>
+    </p:extLst>
+  </p:cSld>
+  <p:clrMapOvr>
+    <a:masterClrMapping/>
+  </p:clrMapOvr>
+  <p:timing>
+    <p:tnLst>
+      <p:par>
+        <p:cTn id="1" dur="indefinite" restart="never" nodeType="tmRoot">
+          <p:childTnLst>
+            <p:seq concurrent="1" nextAc="seek">
+              <p:cTn id="2" dur="indefinite" nodeType="mainSeq">
+                <p:childTnLst>
+                  <p:par>
+                    <p:cTn id="3" fill="hold">
+                      <p:stCondLst>
+                        <p:cond delay="indefinite"/>
+                      </p:stCondLst>
+                      <p:childTnLst>
+                        <p:par>
+                          <p:cTn id="4" fill="hold">
+                            <p:stCondLst>
+                              <p:cond delay="0"/>
+                            </p:stCondLst>
+                            <p:childTnLst>
+                              <p:par>
+                                <p:cTn id="5" presetID="10" presetClass="entr" presetSubtype="0" fill="hold" nodeType="clickEffect">
+                                  <p:stCondLst>
+                                    <p:cond delay="0"/>
+                                  </p:stCondLst>
+                                  <p:childTnLst>
+                                    <p:set>
+                                      <p:cBhvr>
+                                        <p:cTn id="6" dur="1" fill="hold">
+                                          <p:stCondLst>
+                                            <p:cond delay="0"/>
+                                          </p:stCondLst>
+                                        </p:cTn>
+                                        <p:tgtEl>
+                                          <p:spTgt spid="3074"/>
+                                        </p:tgtEl>
+                                        <p:attrNameLst>
+                                          <p:attrName>style.visibility</p:attrName>
+                                        </p:attrNameLst>
+                                      </p:cBhvr>
+                                      <p:to>
+                                        <p:strVal val="visible"/>
+                                      </p:to>
+                                    </p:set>
+                                    <p:animEffect transition="in" filter="fade">
+                                      <p:cBhvr>
+                                        <p:cTn id="7" dur="500"/>
+                                        <p:tgtEl>
+                                          <p:spTgt spid="3074"/>
+                                        </p:tgtEl>
+                                      </p:cBhvr>
+                                    </p:animEffect>
+                                  </p:childTnLst>
+                                </p:cTn>
+                              </p:par>
+                            </p:childTnLst>
+                          </p:cTn>
+                        </p:par>
+                      </p:childTnLst>
+                    </p:cTn>
+                  </p:par>
+                  <p:par>
+                    <p:cTn id="8" fill="hold">
+                      <p:stCondLst>
+                        <p:cond delay="indefinite"/>
+                      </p:stCondLst>
+                      <p:childTnLst>
+                        <p:par>
+                          <p:cTn id="9" fill="hold">
+                            <p:stCondLst>
+                              <p:cond delay="0"/>
+                            </p:stCondLst>
+                            <p:childTnLst>
+                              <p:par>
+                                <p:cTn id="10" presetID="10" presetClass="entr" presetSubtype="0" fill="hold" nodeType="clickEffect">
+                                  <p:stCondLst>
+                                    <p:cond delay="0"/>
+                                  </p:stCondLst>
+                                  <p:childTnLst>
+                                    <p:set>
+                                      <p:cBhvr>
+                                        <p:cTn id="11" dur="1" fill="hold">
+                                          <p:stCondLst>
+                                            <p:cond delay="0"/>
+                                          </p:stCondLst>
+                                        </p:cTn>
+                                        <p:tgtEl>
+                                          <p:spTgt spid="3075"/>
+                                        </p:tgtEl>
+                                        <p:attrNameLst>
+                                          <p:attrName>style.visibility</p:attrName>
+                                        </p:attrNameLst>
+                                      </p:cBhvr>
+                                      <p:to>
+                                        <p:strVal val="visible"/>
+                                      </p:to>
+                                    </p:set>
+                                    <p:animEffect transition="in" filter="fade">
+                                      <p:cBhvr>
+                                        <p:cTn id="12" dur="500"/>
+                                        <p:tgtEl>
+                                          <p:spTgt spid="3075"/>
+                                        </p:tgtEl>
+                                      </p:cBhvr>
+                                    </p:animEffect>
+                                  </p:childTnLst>
+                                </p:cTn>
+                              </p:par>
+                            </p:childTnLst>
+                          </p:cTn>
+                        </p:par>
+                      </p:childTnLst>
+                    </p:cTn>
+                  </p:par>
+                </p:childTnLst>
+              </p:cTn>
+              <p:prevCondLst>
+                <p:cond evt="onPrev" delay="0">
+                  <p:tgtEl>
+                    <p:sldTgt/>
+                  </p:tgtEl>
+                </p:cond>
+              </p:prevCondLst>
+              <p:nextCondLst>
+                <p:cond evt="onNext" delay="0">
+                  <p:tgtEl>
+                    <p:sldTgt/>
+                  </p:tgtEl>
+                </p:cond>
+              </p:nextCondLst>
+            </p:seq>
+          </p:childTnLst>
+        </p:cTn>
+      </p:par>
+    </p:tnLst>
+  </p:timing>
+</p:sld>
+</file>
+
+<file path=ppt/slides/slide9.xml><?xml version="1.0" encoding="utf-8"?>
+<p:sld xmlns:a="http://schemas.openxmlformats.org/drawingml/2006/main" xmlns:r="http://schemas.openxmlformats.org/officeDocument/2006/relationships" xmlns:p="http://schemas.openxmlformats.org/presentationml/2006/main">
+  <p:cSld>
+    <p:spTree>
+      <p:nvGrpSpPr>
+        <p:cNvPr id="1" name=""/>
+        <p:cNvGrpSpPr/>
+        <p:nvPr/>
+      </p:nvGrpSpPr>
+      <p:grpSpPr>
+        <a:xfrm>
+          <a:off x="0" y="0"/>
+          <a:ext cx="0" cy="0"/>
+          <a:chOff x="0" y="0"/>
+          <a:chExt cx="0" cy="0"/>
+        </a:xfrm>
+      </p:grpSpPr>
+      <p:sp>
+        <p:nvSpPr>
+          <p:cNvPr id="2" name="Title 1"/>
+          <p:cNvSpPr>
+            <a:spLocks noGrp="1"/>
+          </p:cNvSpPr>
+          <p:nvPr>
+            <p:ph type="title"/>
+          </p:nvPr>
+        </p:nvSpPr>
+        <p:spPr/>
+        <p:txBody>
+          <a:bodyPr/>
+          <a:lstStyle/>
+          <a:p>
+            <a:r>
+              <a:rPr lang="en-GB" dirty="0" smtClean="0"/>
+              <a:t>Evaluation</a:t>
+            </a:r>
+            <a:endParaRPr lang="en-GB" dirty="0"/>
+          </a:p>
+        </p:txBody>
+      </p:sp>
+      <p:sp>
+        <p:nvSpPr>
+          <p:cNvPr id="3" name="Content Placeholder 2"/>
+          <p:cNvSpPr>
+            <a:spLocks noGrp="1"/>
+          </p:cNvSpPr>
+          <p:nvPr>
+            <p:ph idx="1"/>
+          </p:nvPr>
+        </p:nvSpPr>
+        <p:spPr>
+          <a:xfrm>
+            <a:off x="457200" y="1412776"/>
+            <a:ext cx="8229600" cy="4824536"/>
+          </a:xfrm>
+        </p:spPr>
+        <p:txBody>
+          <a:bodyPr>
+            <a:normAutofit fontScale="92500" lnSpcReduction="10000"/>
+          </a:bodyPr>
+          <a:lstStyle/>
+          <a:p>
+            <a:r>
+              <a:rPr lang="en-GB" dirty="0" smtClean="0"/>
+              <a:t>Task List and Questionnaire</a:t>
+            </a:r>
+          </a:p>
+          <a:p>
+            <a:r>
+              <a:rPr lang="en-GB" dirty="0" smtClean="0"/>
+              <a:t>Basic – tests usability of User Interface</a:t>
+            </a:r>
+          </a:p>
+          <a:p>
+            <a:pPr lvl="1"/>
+            <a:r>
+              <a:rPr lang="en-GB" dirty="0" smtClean="0"/>
+              <a:t>Single user</a:t>
+            </a:r>
+          </a:p>
+          <a:p>
+            <a:pPr lvl="1"/>
+            <a:r>
+              <a:rPr lang="en-GB" dirty="0" smtClean="0"/>
+              <a:t>Observation</a:t>
+            </a:r>
+          </a:p>
+          <a:p>
+            <a:pPr marL="342900" lvl="1" indent="-342900">
+              <a:buFont typeface="Arial" pitchFamily="34" charset="0"/>
+              <a:buChar char="•"/>
+            </a:pPr>
+            <a:r>
+              <a:rPr lang="en-GB" dirty="0" smtClean="0"/>
+              <a:t>Extended – tests </a:t>
+            </a:r>
+            <a:r>
+              <a:rPr lang="en-GB" dirty="0"/>
+              <a:t>concurrent access </a:t>
+            </a:r>
+            <a:r>
+              <a:rPr lang="en-GB" dirty="0" smtClean="0"/>
+              <a:t>features</a:t>
+            </a:r>
+          </a:p>
+          <a:p>
+            <a:pPr lvl="1"/>
+            <a:r>
+              <a:rPr lang="en-GB" dirty="0" smtClean="0"/>
+              <a:t>Multiple users</a:t>
+            </a:r>
+          </a:p>
+          <a:p>
+            <a:r>
+              <a:rPr lang="en-GB" dirty="0" smtClean="0"/>
+              <a:t>Very positive results in participants’ questionnaires</a:t>
+            </a:r>
+          </a:p>
+          <a:p>
+            <a:r>
+              <a:rPr lang="en-GB" dirty="0" smtClean="0"/>
+              <a:t>Could improve by sample more authors that use </a:t>
+            </a:r>
+            <a:r>
+              <a:rPr lang="en-GB" dirty="0" err="1" smtClean="0"/>
+              <a:t>BibTeX</a:t>
+            </a:r>
+            <a:endParaRPr lang="en-GB" dirty="0"/>
+          </a:p>
+        </p:txBody>
+      </p:sp>
+    </p:spTree>
+    <p:extLst>
+      <p:ext uri="{BB962C8B-B14F-4D97-AF65-F5344CB8AC3E}">
+        <p14:creationId xmlns:p14="http://schemas.microsoft.com/office/powerpoint/2010/main" val="2394275780"/>
+      </p:ext>
+    </p:extLst>
+  </p:cSld>
+  <p:clrMapOvr>
+    <a:masterClrMapping/>
+  </p:clrMapOvr>
+  <p:timing>
+    <p:tnLst>
+      <p:par>
+        <p:cTn id="1" dur="indefinite" restart="never" nodeType="tmRoot"/>
+      </p:par>
+    </p:tnLst>
+  </p:timing>
 </p:sld>
 </file>
 
